--- a/Paper Work/Presentation/Project Application Development 1.1.pptx
+++ b/Paper Work/Presentation/Project Application Development 1.1.pptx
@@ -5,10 +5,10 @@
     <p:sldMasterId id="2147483695" r:id="rId1"/>
   </p:sldMasterIdLst>
   <p:notesMasterIdLst>
-    <p:notesMasterId r:id="rId14"/>
+    <p:notesMasterId r:id="rId15"/>
   </p:notesMasterIdLst>
   <p:handoutMasterIdLst>
-    <p:handoutMasterId r:id="rId15"/>
+    <p:handoutMasterId r:id="rId16"/>
   </p:handoutMasterIdLst>
   <p:sldIdLst>
     <p:sldId id="257" r:id="rId2"/>
@@ -21,8 +21,9 @@
     <p:sldId id="279" r:id="rId9"/>
     <p:sldId id="280" r:id="rId10"/>
     <p:sldId id="277" r:id="rId11"/>
-    <p:sldId id="276" r:id="rId12"/>
-    <p:sldId id="278" r:id="rId13"/>
+    <p:sldId id="282" r:id="rId12"/>
+    <p:sldId id="276" r:id="rId13"/>
+    <p:sldId id="278" r:id="rId14"/>
   </p:sldIdLst>
   <p:sldSz cx="9828213" cy="6858000"/>
   <p:notesSz cx="7023100" cy="9309100"/>
@@ -735,6 +736,98 @@
 </p:notes>
 </file>
 
+<file path=ppt/notesSlides/notesSlide10.xml><?xml version="1.0" encoding="utf-8"?>
+<p:notes xmlns:a="http://schemas.openxmlformats.org/drawingml/2006/main" xmlns:r="http://schemas.openxmlformats.org/officeDocument/2006/relationships" xmlns:p="http://schemas.openxmlformats.org/presentationml/2006/main">
+  <p:cSld>
+    <p:spTree>
+      <p:nvGrpSpPr>
+        <p:cNvPr id="1" name=""/>
+        <p:cNvGrpSpPr/>
+        <p:nvPr/>
+      </p:nvGrpSpPr>
+      <p:grpSpPr>
+        <a:xfrm>
+          <a:off x="0" y="0"/>
+          <a:ext cx="0" cy="0"/>
+          <a:chOff x="0" y="0"/>
+          <a:chExt cx="0" cy="0"/>
+        </a:xfrm>
+      </p:grpSpPr>
+      <p:sp>
+        <p:nvSpPr>
+          <p:cNvPr id="2" name="Slide Image Placeholder 1"/>
+          <p:cNvSpPr>
+            <a:spLocks noGrp="1" noRot="1" noChangeAspect="1"/>
+          </p:cNvSpPr>
+          <p:nvPr>
+            <p:ph type="sldImg"/>
+          </p:nvPr>
+        </p:nvSpPr>
+        <p:spPr>
+          <a:xfrm>
+            <a:off x="1260475" y="1163638"/>
+            <a:ext cx="4502150" cy="3141662"/>
+          </a:xfrm>
+        </p:spPr>
+      </p:sp>
+      <p:sp>
+        <p:nvSpPr>
+          <p:cNvPr id="3" name="Notes Placeholder 2"/>
+          <p:cNvSpPr>
+            <a:spLocks noGrp="1"/>
+          </p:cNvSpPr>
+          <p:nvPr>
+            <p:ph type="body" idx="1"/>
+          </p:nvPr>
+        </p:nvSpPr>
+        <p:spPr/>
+        <p:txBody>
+          <a:bodyPr>
+            <a:normAutofit/>
+          </a:bodyPr>
+          <a:lstStyle/>
+          <a:p>
+            <a:endParaRPr lang="en-US"/>
+          </a:p>
+        </p:txBody>
+      </p:sp>
+      <p:sp>
+        <p:nvSpPr>
+          <p:cNvPr id="4" name="Slide Number Placeholder 3"/>
+          <p:cNvSpPr>
+            <a:spLocks noGrp="1"/>
+          </p:cNvSpPr>
+          <p:nvPr>
+            <p:ph type="sldNum" sz="quarter" idx="10"/>
+          </p:nvPr>
+        </p:nvSpPr>
+        <p:spPr/>
+        <p:txBody>
+          <a:bodyPr/>
+          <a:lstStyle/>
+          <a:p>
+            <a:fld id="{5257B995-136A-4A15-87A5-26420C3C1021}" type="slidenum">
+              <a:rPr lang="en-US" smtClean="0"/>
+              <a:pPr/>
+              <a:t>13</a:t>
+            </a:fld>
+            <a:endParaRPr lang="en-US"/>
+          </a:p>
+        </p:txBody>
+      </p:sp>
+    </p:spTree>
+    <p:extLst>
+      <p:ext uri="{BB962C8B-B14F-4D97-AF65-F5344CB8AC3E}">
+        <p14:creationId xmlns:p14="http://schemas.microsoft.com/office/powerpoint/2010/main" val="1596843217"/>
+      </p:ext>
+    </p:extLst>
+  </p:cSld>
+  <p:clrMapOvr>
+    <a:masterClrMapping/>
+  </p:clrMapOvr>
+</p:notes>
+</file>
+
 <file path=ppt/notesSlides/notesSlide2.xml><?xml version="1.0" encoding="utf-8"?>
 <p:notes xmlns:a="http://schemas.openxmlformats.org/drawingml/2006/main" xmlns:r="http://schemas.openxmlformats.org/officeDocument/2006/relationships" xmlns:p="http://schemas.openxmlformats.org/presentationml/2006/main">
   <p:cSld>
@@ -1369,7 +1462,7 @@
     </p:spTree>
     <p:extLst>
       <p:ext uri="{BB962C8B-B14F-4D97-AF65-F5344CB8AC3E}">
-        <p14:creationId xmlns:p14="http://schemas.microsoft.com/office/powerpoint/2010/main" val="2589352353"/>
+        <p14:creationId xmlns:p14="http://schemas.microsoft.com/office/powerpoint/2010/main" val="3981386523"/>
       </p:ext>
     </p:extLst>
   </p:cSld>
@@ -1461,7 +1554,7 @@
     </p:spTree>
     <p:extLst>
       <p:ext uri="{BB962C8B-B14F-4D97-AF65-F5344CB8AC3E}">
-        <p14:creationId xmlns:p14="http://schemas.microsoft.com/office/powerpoint/2010/main" val="1596843217"/>
+        <p14:creationId xmlns:p14="http://schemas.microsoft.com/office/powerpoint/2010/main" val="2589352353"/>
       </p:ext>
     </p:extLst>
   </p:cSld>
@@ -5467,6 +5560,123 @@
       </p:grpSpPr>
       <p:sp>
         <p:nvSpPr>
+          <p:cNvPr id="2" name="Title 1"/>
+          <p:cNvSpPr>
+            <a:spLocks noGrp="1"/>
+          </p:cNvSpPr>
+          <p:nvPr>
+            <p:ph type="title"/>
+          </p:nvPr>
+        </p:nvSpPr>
+        <p:spPr/>
+        <p:txBody>
+          <a:bodyPr>
+            <a:normAutofit/>
+          </a:bodyPr>
+          <a:lstStyle/>
+          <a:p>
+            <a:r>
+              <a:rPr lang="en-US" dirty="0"/>
+              <a:t>Application</a:t>
+            </a:r>
+          </a:p>
+        </p:txBody>
+      </p:sp>
+      <p:sp>
+        <p:nvSpPr>
+          <p:cNvPr id="6" name="Content Placeholder 5"/>
+          <p:cNvSpPr>
+            <a:spLocks noGrp="1"/>
+          </p:cNvSpPr>
+          <p:nvPr>
+            <p:ph idx="1"/>
+          </p:nvPr>
+        </p:nvSpPr>
+        <p:spPr/>
+        <p:txBody>
+          <a:bodyPr anchor="ctr"/>
+          <a:lstStyle/>
+          <a:p>
+            <a:pPr marL="266700" indent="-165497">
+              <a:buFont typeface="Arial" panose="020B0604020202020204" pitchFamily="34" charset="0"/>
+              <a:buChar char="•"/>
+            </a:pPr>
+            <a:r>
+              <a:rPr lang="en-US" sz="2100" dirty="0"/>
+              <a:t>Made initial data editable by expert</a:t>
+            </a:r>
+          </a:p>
+          <a:p>
+            <a:pPr marL="266700" indent="-165497">
+              <a:buFont typeface="Arial" panose="020B0604020202020204" pitchFamily="34" charset="0"/>
+              <a:buChar char="•"/>
+            </a:pPr>
+            <a:r>
+              <a:rPr lang="en-US" sz="2100" dirty="0"/>
+              <a:t>Used lots of design patterns</a:t>
+            </a:r>
+          </a:p>
+          <a:p>
+            <a:pPr marL="266700" indent="-165497">
+              <a:buFont typeface="Arial" panose="020B0604020202020204" pitchFamily="34" charset="0"/>
+              <a:buChar char="•"/>
+            </a:pPr>
+            <a:r>
+              <a:rPr lang="en-US" sz="2100" dirty="0"/>
+              <a:t>Made code as scalable as possible</a:t>
+            </a:r>
+          </a:p>
+          <a:p>
+            <a:pPr marL="266700" indent="-165497">
+              <a:buFont typeface="Arial" panose="020B0604020202020204" pitchFamily="34" charset="0"/>
+              <a:buChar char="•"/>
+            </a:pPr>
+            <a:r>
+              <a:rPr lang="en-US" sz="2100" dirty="0"/>
+              <a:t>Code is, to this point, very structured</a:t>
+            </a:r>
+          </a:p>
+          <a:p>
+            <a:pPr marL="266700" indent="-165497">
+              <a:buFont typeface="Arial" panose="020B0604020202020204" pitchFamily="34" charset="0"/>
+              <a:buChar char="•"/>
+            </a:pPr>
+            <a:endParaRPr lang="en-US" sz="2100" dirty="0"/>
+          </a:p>
+        </p:txBody>
+      </p:sp>
+    </p:spTree>
+    <p:extLst>
+      <p:ext uri="{BB962C8B-B14F-4D97-AF65-F5344CB8AC3E}">
+        <p14:creationId xmlns:p14="http://schemas.microsoft.com/office/powerpoint/2010/main" val="1475295642"/>
+      </p:ext>
+    </p:extLst>
+  </p:cSld>
+  <p:clrMapOvr>
+    <a:masterClrMapping/>
+  </p:clrMapOvr>
+</p:sld>
+</file>
+
+<file path=ppt/slides/slide12.xml><?xml version="1.0" encoding="utf-8"?>
+<p:sld xmlns:a="http://schemas.openxmlformats.org/drawingml/2006/main" xmlns:r="http://schemas.openxmlformats.org/officeDocument/2006/relationships" xmlns:p="http://schemas.openxmlformats.org/presentationml/2006/main">
+  <p:cSld>
+    <p:spTree>
+      <p:nvGrpSpPr>
+        <p:cNvPr id="1" name=""/>
+        <p:cNvGrpSpPr/>
+        <p:nvPr/>
+      </p:nvGrpSpPr>
+      <p:grpSpPr>
+        <a:xfrm>
+          <a:off x="0" y="0"/>
+          <a:ext cx="0" cy="0"/>
+          <a:chOff x="0" y="0"/>
+          <a:chExt cx="0" cy="0"/>
+        </a:xfrm>
+      </p:grpSpPr>
+      <p:sp>
+        <p:nvSpPr>
           <p:cNvPr id="5" name="Rectangle 4">
             <a:extLst>
               <a:ext uri="{FF2B5EF4-FFF2-40B4-BE49-F238E27FC236}">
@@ -5595,7 +5805,7 @@
 </p:sld>
 </file>
 
-<file path=ppt/slides/slide12.xml><?xml version="1.0" encoding="utf-8"?>
+<file path=ppt/slides/slide13.xml><?xml version="1.0" encoding="utf-8"?>
 <p:sld xmlns:a="http://schemas.openxmlformats.org/drawingml/2006/main" xmlns:r="http://schemas.openxmlformats.org/officeDocument/2006/relationships" xmlns:p="http://schemas.openxmlformats.org/presentationml/2006/main">
   <p:cSld>
     <p:spTree>
@@ -6204,38 +6414,6 @@
           <a:chExt cx="0" cy="0"/>
         </a:xfrm>
       </p:grpSpPr>
-      <p:sp>
-        <p:nvSpPr>
-          <p:cNvPr id="2" name="Title 1">
-            <a:extLst>
-              <a:ext uri="{FF2B5EF4-FFF2-40B4-BE49-F238E27FC236}">
-                <a16:creationId xmlns:a16="http://schemas.microsoft.com/office/drawing/2014/main" id="{E9DCA133-9214-4080-B7B5-1CE2BE6239C3}"/>
-              </a:ext>
-            </a:extLst>
-          </p:cNvPr>
-          <p:cNvSpPr>
-            <a:spLocks noGrp="1"/>
-          </p:cNvSpPr>
-          <p:nvPr>
-            <p:ph type="title"/>
-          </p:nvPr>
-        </p:nvSpPr>
-        <p:spPr>
-          <a:xfrm flipV="1">
-            <a:off x="884539" y="214314"/>
-            <a:ext cx="8108276" cy="72292"/>
-          </a:xfrm>
-        </p:spPr>
-        <p:txBody>
-          <a:bodyPr>
-            <a:normAutofit fontScale="90000"/>
-          </a:bodyPr>
-          <a:lstStyle/>
-          <a:p>
-            <a:endParaRPr lang="en-US" b="1" i="1" dirty="0"/>
-          </a:p>
-        </p:txBody>
-      </p:sp>
       <p:pic>
         <p:nvPicPr>
           <p:cNvPr id="5" name="Content Placeholder 4" descr="A close up of a newspaper&#10;&#10;Description automatically generated">
@@ -6260,7 +6438,7 @@
         </p:blipFill>
         <p:spPr>
           <a:xfrm>
-            <a:off x="536118" y="286606"/>
+            <a:off x="536118" y="961300"/>
             <a:ext cx="8755976" cy="4312768"/>
           </a:xfrm>
         </p:spPr>
@@ -6279,7 +6457,7 @@
         </p:nvSpPr>
         <p:spPr>
           <a:xfrm rot="10800000" flipV="1">
-            <a:off x="6229350" y="4491653"/>
+            <a:off x="6310032" y="5311924"/>
             <a:ext cx="3079606" cy="584775"/>
           </a:xfrm>
           <a:prstGeom prst="rect">

--- a/Paper Work/Presentation/Project Application Development 1.1.pptx
+++ b/Paper Work/Presentation/Project Application Development 1.1.pptx
@@ -5787,8 +5787,8 @@
         </p:blipFill>
         <p:spPr>
           <a:xfrm>
-            <a:off x="1594010" y="1483097"/>
-            <a:ext cx="6640192" cy="4443251"/>
+            <a:off x="1146214" y="1483097"/>
+            <a:ext cx="7128179" cy="4769785"/>
           </a:xfrm>
         </p:spPr>
       </p:pic>
@@ -7149,12 +7149,12 @@
         </p:spPr>
         <p:txBody>
           <a:bodyPr>
-            <a:normAutofit fontScale="90000"/>
+            <a:normAutofit/>
           </a:bodyPr>
           <a:lstStyle/>
           <a:p>
             <a:r>
-              <a:rPr lang="en-US" b="1" dirty="0"/>
+              <a:rPr lang="en-US" sz="4000" dirty="0"/>
               <a:t>Interaction between large herbivores (Cattle and horses) </a:t>
             </a:r>
           </a:p>
@@ -7235,7 +7235,12 @@
             <p:ph type="title"/>
           </p:nvPr>
         </p:nvSpPr>
-        <p:spPr/>
+        <p:spPr>
+          <a:xfrm>
+            <a:off x="884539" y="286605"/>
+            <a:ext cx="7788814" cy="1450757"/>
+          </a:xfrm>
+        </p:spPr>
         <p:txBody>
           <a:bodyPr>
             <a:normAutofit fontScale="90000"/>

--- a/Paper Work/Presentation/Project Application Development 1.1.pptx
+++ b/Paper Work/Presentation/Project Application Development 1.1.pptx
@@ -5,10 +5,10 @@
     <p:sldMasterId id="2147483695" r:id="rId1"/>
   </p:sldMasterIdLst>
   <p:notesMasterIdLst>
-    <p:notesMasterId r:id="rId14"/>
+    <p:notesMasterId r:id="rId15"/>
   </p:notesMasterIdLst>
   <p:handoutMasterIdLst>
-    <p:handoutMasterId r:id="rId15"/>
+    <p:handoutMasterId r:id="rId16"/>
   </p:handoutMasterIdLst>
   <p:sldIdLst>
     <p:sldId id="257" r:id="rId2"/>
@@ -18,11 +18,12 @@
     <p:sldId id="274" r:id="rId6"/>
     <p:sldId id="281" r:id="rId7"/>
     <p:sldId id="275" r:id="rId8"/>
-    <p:sldId id="279" r:id="rId9"/>
-    <p:sldId id="280" r:id="rId10"/>
-    <p:sldId id="277" r:id="rId11"/>
-    <p:sldId id="276" r:id="rId12"/>
-    <p:sldId id="278" r:id="rId13"/>
+    <p:sldId id="282" r:id="rId9"/>
+    <p:sldId id="279" r:id="rId10"/>
+    <p:sldId id="280" r:id="rId11"/>
+    <p:sldId id="277" r:id="rId12"/>
+    <p:sldId id="276" r:id="rId13"/>
+    <p:sldId id="278" r:id="rId14"/>
   </p:sldIdLst>
   <p:sldSz cx="9828213" cy="6858000"/>
   <p:notesSz cx="7023100" cy="9309100"/>
@@ -277,7 +278,7 @@
           <a:p>
             <a:fld id="{DA6FC261-E491-4C42-A663-B95247CC46D9}" type="slidenum">
               <a:rPr lang="en-US" smtClean="0"/>
-              <a:t>‹#›</a:t>
+              <a:t>‹nr.›</a:t>
             </a:fld>
             <a:endParaRPr lang="en-US"/>
           </a:p>
@@ -534,7 +535,7 @@
           <a:p>
             <a:fld id="{333E963C-1534-4F8D-B2A7-66D81AA25953}" type="slidenum">
               <a:rPr lang="en-US" smtClean="0"/>
-              <a:t>‹#›</a:t>
+              <a:t>‹nr.›</a:t>
             </a:fld>
             <a:endParaRPr lang="en-US"/>
           </a:p>
@@ -1268,7 +1269,7 @@
             <a:fld id="{5257B995-136A-4A15-87A5-26420C3C1021}" type="slidenum">
               <a:rPr lang="en-US" smtClean="0"/>
               <a:pPr/>
-              <a:t>10</a:t>
+              <a:t>11</a:t>
             </a:fld>
             <a:endParaRPr lang="en-US"/>
           </a:p>
@@ -1360,7 +1361,7 @@
             <a:fld id="{5257B995-136A-4A15-87A5-26420C3C1021}" type="slidenum">
               <a:rPr lang="en-US" smtClean="0"/>
               <a:pPr/>
-              <a:t>11</a:t>
+              <a:t>12</a:t>
             </a:fld>
             <a:endParaRPr lang="en-US"/>
           </a:p>
@@ -1452,7 +1453,7 @@
             <a:fld id="{5257B995-136A-4A15-87A5-26420C3C1021}" type="slidenum">
               <a:rPr lang="en-US" smtClean="0"/>
               <a:pPr/>
-              <a:t>12</a:t>
+              <a:t>13</a:t>
             </a:fld>
             <a:endParaRPr lang="en-US"/>
           </a:p>
@@ -1743,7 +1744,7 @@
           <a:p>
             <a:fld id="{D57F1E4F-1CFF-5643-939E-02111984F565}" type="slidenum">
               <a:rPr lang="en-US" smtClean="0"/>
-              <a:t>‹#›</a:t>
+              <a:t>‹nr.›</a:t>
             </a:fld>
             <a:endParaRPr lang="en-US"/>
           </a:p>
@@ -1955,7 +1956,7 @@
           <a:p>
             <a:fld id="{D57F1E4F-1CFF-5643-939E-02111984F565}" type="slidenum">
               <a:rPr lang="en-US" smtClean="0"/>
-              <a:t>‹#›</a:t>
+              <a:t>‹nr.›</a:t>
             </a:fld>
             <a:endParaRPr lang="en-US"/>
           </a:p>
@@ -2215,7 +2216,7 @@
           <a:p>
             <a:fld id="{D57F1E4F-1CFF-5643-939E-02111984F565}" type="slidenum">
               <a:rPr lang="en-US" smtClean="0"/>
-              <a:t>‹#›</a:t>
+              <a:t>‹nr.›</a:t>
             </a:fld>
             <a:endParaRPr lang="en-US"/>
           </a:p>
@@ -2389,7 +2390,7 @@
           <a:p>
             <a:fld id="{D57F1E4F-1CFF-5643-939E-02111984F565}" type="slidenum">
               <a:rPr lang="en-US" smtClean="0"/>
-              <a:t>‹#›</a:t>
+              <a:t>‹nr.›</a:t>
             </a:fld>
             <a:endParaRPr lang="en-US"/>
           </a:p>
@@ -2736,7 +2737,7 @@
           <a:p>
             <a:fld id="{D57F1E4F-1CFF-5643-939E-02111984F565}" type="slidenum">
               <a:rPr lang="en-US" smtClean="0"/>
-              <a:t>‹#›</a:t>
+              <a:t>‹nr.›</a:t>
             </a:fld>
             <a:endParaRPr lang="en-US"/>
           </a:p>
@@ -3015,7 +3016,7 @@
           <a:p>
             <a:fld id="{D57F1E4F-1CFF-5643-939E-02111984F565}" type="slidenum">
               <a:rPr lang="en-US" smtClean="0"/>
-              <a:t>‹#›</a:t>
+              <a:t>‹nr.›</a:t>
             </a:fld>
             <a:endParaRPr lang="en-US"/>
           </a:p>
@@ -3398,7 +3399,7 @@
           <a:p>
             <a:fld id="{D57F1E4F-1CFF-5643-939E-02111984F565}" type="slidenum">
               <a:rPr lang="en-US" smtClean="0"/>
-              <a:t>‹#›</a:t>
+              <a:t>‹nr.›</a:t>
             </a:fld>
             <a:endParaRPr lang="en-US"/>
           </a:p>
@@ -3520,7 +3521,7 @@
           <a:p>
             <a:fld id="{D57F1E4F-1CFF-5643-939E-02111984F565}" type="slidenum">
               <a:rPr lang="en-US" smtClean="0"/>
-              <a:t>‹#›</a:t>
+              <a:t>‹nr.›</a:t>
             </a:fld>
             <a:endParaRPr lang="en-US"/>
           </a:p>
@@ -3703,7 +3704,7 @@
           <a:p>
             <a:fld id="{D57F1E4F-1CFF-5643-939E-02111984F565}" type="slidenum">
               <a:rPr lang="en-US" smtClean="0"/>
-              <a:t>‹#›</a:t>
+              <a:t>‹nr.›</a:t>
             </a:fld>
             <a:endParaRPr lang="en-US"/>
           </a:p>
@@ -4074,7 +4075,7 @@
           <a:p>
             <a:fld id="{D57F1E4F-1CFF-5643-939E-02111984F565}" type="slidenum">
               <a:rPr lang="en-US" smtClean="0"/>
-              <a:t>‹#›</a:t>
+              <a:t>‹nr.›</a:t>
             </a:fld>
             <a:endParaRPr lang="en-US"/>
           </a:p>
@@ -4439,7 +4440,7 @@
           <a:p>
             <a:fld id="{D57F1E4F-1CFF-5643-939E-02111984F565}" type="slidenum">
               <a:rPr lang="en-US" smtClean="0"/>
-              <a:t>‹#›</a:t>
+              <a:t>‹nr.›</a:t>
             </a:fld>
             <a:endParaRPr lang="en-US"/>
           </a:p>
@@ -4763,7 +4764,7 @@
           <a:p>
             <a:fld id="{D57F1E4F-1CFF-5643-939E-02111984F565}" type="slidenum">
               <a:rPr lang="en-US" smtClean="0"/>
-              <a:t>‹#›</a:t>
+              <a:t>‹nr.›</a:t>
             </a:fld>
             <a:endParaRPr lang="en-US"/>
           </a:p>
@@ -5386,7 +5387,13 @@
       </p:grpSpPr>
       <p:sp>
         <p:nvSpPr>
-          <p:cNvPr id="2" name="Title 1"/>
+          <p:cNvPr id="2" name="Title 1">
+            <a:extLst>
+              <a:ext uri="{FF2B5EF4-FFF2-40B4-BE49-F238E27FC236}">
+                <a16:creationId xmlns:a16="http://schemas.microsoft.com/office/drawing/2014/main" id="{6EEF9244-93B4-47AD-B77B-FF5660D88017}"/>
+              </a:ext>
+            </a:extLst>
+          </p:cNvPr>
           <p:cNvSpPr>
             <a:spLocks noGrp="1"/>
           </p:cNvSpPr>
@@ -5397,48 +5404,50 @@
         <p:spPr/>
         <p:txBody>
           <a:bodyPr>
-            <a:normAutofit/>
+            <a:normAutofit fontScale="90000"/>
           </a:bodyPr>
           <a:lstStyle/>
           <a:p>
             <a:r>
-              <a:rPr lang="en-US" dirty="0"/>
-              <a:t>UML</a:t>
-            </a:r>
-          </a:p>
-        </p:txBody>
-      </p:sp>
-      <p:sp>
-        <p:nvSpPr>
-          <p:cNvPr id="6" name="Content Placeholder 5"/>
-          <p:cNvSpPr>
-            <a:spLocks noGrp="1"/>
-          </p:cNvSpPr>
+              <a:rPr lang="en-US" b="1" dirty="0"/>
+              <a:t>Model with migration effect (Simple metapopulation growth rate)</a:t>
+            </a:r>
+          </a:p>
+        </p:txBody>
+      </p:sp>
+      <p:pic>
+        <p:nvPicPr>
+          <p:cNvPr id="5" name="Content Placeholder 4" descr="A drawing of a person&#10;&#10;Description automatically generated">
+            <a:extLst>
+              <a:ext uri="{FF2B5EF4-FFF2-40B4-BE49-F238E27FC236}">
+                <a16:creationId xmlns:a16="http://schemas.microsoft.com/office/drawing/2014/main" id="{E79A4E45-3BFD-480C-8A3E-E14438314723}"/>
+              </a:ext>
+            </a:extLst>
+          </p:cNvPr>
+          <p:cNvPicPr>
+            <a:picLocks noGrp="1" noChangeAspect="1"/>
+          </p:cNvPicPr>
           <p:nvPr>
             <p:ph idx="1"/>
           </p:nvPr>
-        </p:nvSpPr>
-        <p:spPr/>
-        <p:txBody>
-          <a:bodyPr anchor="ctr"/>
-          <a:lstStyle/>
-          <a:p>
-            <a:pPr marL="266700" indent="-165497">
-              <a:buFont typeface="Arial" panose="020B0604020202020204" pitchFamily="34" charset="0"/>
-              <a:buChar char="•"/>
-            </a:pPr>
-            <a:r>
-              <a:rPr lang="en-US" sz="2100" dirty="0"/>
-              <a:t>Sample data blah blah</a:t>
-            </a:r>
-            <a:endParaRPr lang="en-US" dirty="0"/>
-          </a:p>
-        </p:txBody>
-      </p:sp>
+        </p:nvPicPr>
+        <p:blipFill>
+          <a:blip r:embed="rId2"/>
+          <a:stretch>
+            <a:fillRect/>
+          </a:stretch>
+        </p:blipFill>
+        <p:spPr>
+          <a:xfrm>
+            <a:off x="946390" y="2631649"/>
+            <a:ext cx="7935432" cy="2609999"/>
+          </a:xfrm>
+        </p:spPr>
+      </p:pic>
     </p:spTree>
     <p:extLst>
       <p:ext uri="{BB962C8B-B14F-4D97-AF65-F5344CB8AC3E}">
-        <p14:creationId xmlns:p14="http://schemas.microsoft.com/office/powerpoint/2010/main" val="41170901"/>
+        <p14:creationId xmlns:p14="http://schemas.microsoft.com/office/powerpoint/2010/main" val="2042370137"/>
       </p:ext>
     </p:extLst>
   </p:cSld>
@@ -5467,6 +5476,87 @@
       </p:grpSpPr>
       <p:sp>
         <p:nvSpPr>
+          <p:cNvPr id="2" name="Title 1"/>
+          <p:cNvSpPr>
+            <a:spLocks noGrp="1"/>
+          </p:cNvSpPr>
+          <p:nvPr>
+            <p:ph type="title"/>
+          </p:nvPr>
+        </p:nvSpPr>
+        <p:spPr/>
+        <p:txBody>
+          <a:bodyPr>
+            <a:normAutofit/>
+          </a:bodyPr>
+          <a:lstStyle/>
+          <a:p>
+            <a:r>
+              <a:rPr lang="en-US" dirty="0"/>
+              <a:t>UML</a:t>
+            </a:r>
+          </a:p>
+        </p:txBody>
+      </p:sp>
+      <p:sp>
+        <p:nvSpPr>
+          <p:cNvPr id="6" name="Content Placeholder 5"/>
+          <p:cNvSpPr>
+            <a:spLocks noGrp="1"/>
+          </p:cNvSpPr>
+          <p:nvPr>
+            <p:ph idx="1"/>
+          </p:nvPr>
+        </p:nvSpPr>
+        <p:spPr/>
+        <p:txBody>
+          <a:bodyPr anchor="ctr"/>
+          <a:lstStyle/>
+          <a:p>
+            <a:pPr marL="266700" indent="-165497">
+              <a:buFont typeface="Arial" panose="020B0604020202020204" pitchFamily="34" charset="0"/>
+              <a:buChar char="•"/>
+            </a:pPr>
+            <a:r>
+              <a:rPr lang="en-US" sz="2100" dirty="0"/>
+              <a:t>Sample data blah blah</a:t>
+            </a:r>
+            <a:endParaRPr lang="en-US" dirty="0"/>
+          </a:p>
+        </p:txBody>
+      </p:sp>
+    </p:spTree>
+    <p:extLst>
+      <p:ext uri="{BB962C8B-B14F-4D97-AF65-F5344CB8AC3E}">
+        <p14:creationId xmlns:p14="http://schemas.microsoft.com/office/powerpoint/2010/main" val="41170901"/>
+      </p:ext>
+    </p:extLst>
+  </p:cSld>
+  <p:clrMapOvr>
+    <a:masterClrMapping/>
+  </p:clrMapOvr>
+</p:sld>
+</file>
+
+<file path=ppt/slides/slide12.xml><?xml version="1.0" encoding="utf-8"?>
+<p:sld xmlns:a="http://schemas.openxmlformats.org/drawingml/2006/main" xmlns:r="http://schemas.openxmlformats.org/officeDocument/2006/relationships" xmlns:p="http://schemas.openxmlformats.org/presentationml/2006/main">
+  <p:cSld>
+    <p:spTree>
+      <p:nvGrpSpPr>
+        <p:cNvPr id="1" name=""/>
+        <p:cNvGrpSpPr/>
+        <p:nvPr/>
+      </p:nvGrpSpPr>
+      <p:grpSpPr>
+        <a:xfrm>
+          <a:off x="0" y="0"/>
+          <a:ext cx="0" cy="0"/>
+          <a:chOff x="0" y="0"/>
+          <a:chExt cx="0" cy="0"/>
+        </a:xfrm>
+      </p:grpSpPr>
+      <p:sp>
+        <p:nvSpPr>
           <p:cNvPr id="5" name="Rectangle 4">
             <a:extLst>
               <a:ext uri="{FF2B5EF4-FFF2-40B4-BE49-F238E27FC236}">
@@ -5595,7 +5685,7 @@
 </p:sld>
 </file>
 
-<file path=ppt/slides/slide12.xml><?xml version="1.0" encoding="utf-8"?>
+<file path=ppt/slides/slide13.xml><?xml version="1.0" encoding="utf-8"?>
 <p:sld xmlns:a="http://schemas.openxmlformats.org/drawingml/2006/main" xmlns:r="http://schemas.openxmlformats.org/officeDocument/2006/relationships" xmlns:p="http://schemas.openxmlformats.org/presentationml/2006/main">
   <p:cSld>
     <p:spTree>
@@ -6315,6 +6405,14 @@
 <file path=ppt/slides/slide7.xml><?xml version="1.0" encoding="utf-8"?>
 <p:sld xmlns:a="http://schemas.openxmlformats.org/drawingml/2006/main" xmlns:r="http://schemas.openxmlformats.org/officeDocument/2006/relationships" xmlns:p="http://schemas.openxmlformats.org/presentationml/2006/main">
   <p:cSld>
+    <p:bg>
+      <p:bgPr>
+        <a:solidFill>
+          <a:schemeClr val="bg1"/>
+        </a:solidFill>
+        <a:effectLst/>
+      </p:bgPr>
+    </p:bg>
     <p:spTree>
       <p:nvGrpSpPr>
         <p:cNvPr id="1" name=""/>
@@ -6329,6 +6427,121 @@
           <a:chExt cx="0" cy="0"/>
         </a:xfrm>
       </p:grpSpPr>
+      <p:sp useBgFill="1">
+        <p:nvSpPr>
+          <p:cNvPr id="11" name="Rectangle 10">
+            <a:extLst>
+              <a:ext uri="{FF2B5EF4-FFF2-40B4-BE49-F238E27FC236}">
+                <a16:creationId xmlns:a16="http://schemas.microsoft.com/office/drawing/2014/main" id="{F207E69B-0F6F-4D15-A988-616519F68BEF}"/>
+              </a:ext>
+              <a:ext uri="{C183D7F6-B498-43B3-948B-1728B52AA6E4}">
+                <adec:decorative xmlns:adec="http://schemas.microsoft.com/office/drawing/2017/decorative" val="1"/>
+              </a:ext>
+            </a:extLst>
+          </p:cNvPr>
+          <p:cNvSpPr>
+            <a:spLocks noGrp="1" noRot="1" noChangeAspect="1" noMove="1" noResize="1" noEditPoints="1" noAdjustHandles="1" noChangeArrowheads="1" noChangeShapeType="1" noTextEdit="1"/>
+          </p:cNvSpPr>
+          <p:nvPr>
+            <p:extLst>
+              <p:ext uri="{386F3935-93C4-4BCD-93E2-E3B085C9AB24}">
+                <p16:designElem xmlns:p16="http://schemas.microsoft.com/office/powerpoint/2015/main" val="1"/>
+              </p:ext>
+            </p:extLst>
+          </p:nvPr>
+        </p:nvSpPr>
+        <p:spPr>
+          <a:xfrm>
+            <a:off x="0" y="0"/>
+            <a:ext cx="9823629" cy="6858000"/>
+          </a:xfrm>
+          <a:prstGeom prst="rect">
+            <a:avLst/>
+          </a:prstGeom>
+          <a:ln>
+            <a:noFill/>
+          </a:ln>
+        </p:spPr>
+        <p:style>
+          <a:lnRef idx="2">
+            <a:schemeClr val="accent6">
+              <a:shade val="50000"/>
+            </a:schemeClr>
+          </a:lnRef>
+          <a:fillRef idx="1001">
+            <a:schemeClr val="lt1"/>
+          </a:fillRef>
+          <a:effectRef idx="0">
+            <a:schemeClr val="accent6"/>
+          </a:effectRef>
+          <a:fontRef idx="minor">
+            <a:schemeClr val="lt1"/>
+          </a:fontRef>
+        </p:style>
+        <p:txBody>
+          <a:bodyPr rtlCol="0" anchor="ctr"/>
+          <a:lstStyle/>
+          <a:p>
+            <a:pPr algn="ctr"/>
+            <a:endParaRPr lang="en-US"/>
+          </a:p>
+        </p:txBody>
+      </p:sp>
+      <p:sp>
+        <p:nvSpPr>
+          <p:cNvPr id="13" name="Rectangle 12">
+            <a:extLst>
+              <a:ext uri="{FF2B5EF4-FFF2-40B4-BE49-F238E27FC236}">
+                <a16:creationId xmlns:a16="http://schemas.microsoft.com/office/drawing/2014/main" id="{24113C24-A97F-448E-BE2B-73E74A61D80A}"/>
+              </a:ext>
+              <a:ext uri="{C183D7F6-B498-43B3-948B-1728B52AA6E4}">
+                <adec:decorative xmlns:adec="http://schemas.microsoft.com/office/drawing/2017/decorative" val="1"/>
+              </a:ext>
+            </a:extLst>
+          </p:cNvPr>
+          <p:cNvSpPr>
+            <a:spLocks noGrp="1" noRot="1" noChangeAspect="1" noMove="1" noResize="1" noEditPoints="1" noAdjustHandles="1" noChangeArrowheads="1" noChangeShapeType="1" noTextEdit="1"/>
+          </p:cNvSpPr>
+          <p:nvPr>
+            <p:extLst>
+              <p:ext uri="{386F3935-93C4-4BCD-93E2-E3B085C9AB24}">
+                <p16:designElem xmlns:p16="http://schemas.microsoft.com/office/powerpoint/2015/main" val="1"/>
+              </p:ext>
+            </p:extLst>
+          </p:nvPr>
+        </p:nvSpPr>
+        <p:spPr bwMode="white">
+          <a:xfrm>
+            <a:off x="12" y="0"/>
+            <a:ext cx="6084494" cy="6858000"/>
+          </a:xfrm>
+          <a:prstGeom prst="rect">
+            <a:avLst/>
+          </a:prstGeom>
+          <a:solidFill>
+            <a:schemeClr val="accent2"/>
+          </a:solidFill>
+          <a:ln>
+            <a:noFill/>
+          </a:ln>
+        </p:spPr>
+        <p:style>
+          <a:lnRef idx="2">
+            <a:schemeClr val="accent1">
+              <a:shade val="50000"/>
+            </a:schemeClr>
+          </a:lnRef>
+          <a:fillRef idx="1">
+            <a:schemeClr val="accent1"/>
+          </a:fillRef>
+          <a:effectRef idx="0">
+            <a:schemeClr val="accent1"/>
+          </a:effectRef>
+          <a:fontRef idx="minor">
+            <a:schemeClr val="lt1"/>
+          </a:fontRef>
+        </p:style>
+      </p:sp>
       <p:sp>
         <p:nvSpPr>
           <p:cNvPr id="2" name="Title 1"/>
@@ -6341,8 +6554,8 @@
         </p:nvSpPr>
         <p:spPr>
           <a:xfrm>
-            <a:off x="884539" y="286606"/>
-            <a:ext cx="7318557" cy="1171134"/>
+            <a:off x="884539" y="516835"/>
+            <a:ext cx="4818933" cy="1666501"/>
           </a:xfrm>
         </p:spPr>
         <p:txBody>
@@ -6352,7 +6565,11 @@
           <a:lstStyle/>
           <a:p>
             <a:r>
-              <a:rPr lang="en-US" dirty="0"/>
+              <a:rPr lang="en-US" sz="3600">
+                <a:solidFill>
+                  <a:srgbClr val="FFFFFF"/>
+                </a:solidFill>
+              </a:rPr>
               <a:t>Mathematical Models</a:t>
             </a:r>
           </a:p>
@@ -6370,12 +6587,12 @@
         </p:nvSpPr>
         <p:spPr>
           <a:xfrm>
-            <a:off x="765270" y="2018012"/>
-            <a:ext cx="8108277" cy="4023360"/>
-          </a:xfrm>
-        </p:spPr>
-        <p:txBody>
-          <a:bodyPr anchor="ctr">
+            <a:off x="884538" y="2236304"/>
+            <a:ext cx="4818934" cy="3652667"/>
+          </a:xfrm>
+        </p:spPr>
+        <p:txBody>
+          <a:bodyPr>
             <a:normAutofit/>
           </a:bodyPr>
           <a:lstStyle/>
@@ -6383,11 +6600,44 @@
             <a:pPr marL="0" indent="0">
               <a:buNone/>
             </a:pPr>
-            <a:endParaRPr lang="en-GB" b="1" u="sng" dirty="0">
+            <a:r>
+              <a:rPr lang="en-GB" b="1" u="sng" dirty="0">
+                <a:solidFill>
+                  <a:srgbClr val="FFFFFF"/>
+                </a:solidFill>
+                <a:effectLst>
+                  <a:outerShdw blurRad="38100" dist="38100" dir="2700000" algn="tl">
+                    <a:srgbClr val="000000">
+                      <a:alpha val="43137"/>
+                    </a:srgbClr>
+                  </a:outerShdw>
+                </a:effectLst>
+              </a:rPr>
+              <a:t>The math model for exponential growth </a:t>
+            </a:r>
+            <a:r>
+              <a:rPr lang="en-GB" sz="1600" b="1" u="sng" dirty="0">
+                <a:solidFill>
+                  <a:srgbClr val="FFFFFF"/>
+                </a:solidFill>
+                <a:effectLst>
+                  <a:outerShdw blurRad="38100" dist="38100" dir="2700000" algn="tl">
+                    <a:srgbClr val="000000">
+                      <a:alpha val="43137"/>
+                    </a:srgbClr>
+                  </a:outerShdw>
+                </a:effectLst>
+              </a:rPr>
+              <a:t>:</a:t>
+            </a:r>
+          </a:p>
+          <a:p>
+            <a:pPr marL="0" indent="0">
+              <a:buNone/>
+            </a:pPr>
+            <a:endParaRPr lang="en-GB" sz="1600" b="1" u="sng" dirty="0">
               <a:solidFill>
-                <a:schemeClr val="accent2">
-                  <a:lumMod val="75000"/>
-                </a:schemeClr>
+                <a:srgbClr val="FFFFFF"/>
               </a:solidFill>
               <a:effectLst>
                 <a:outerShdw blurRad="38100" dist="38100" dir="2700000" algn="tl">
@@ -6402,11 +6652,9 @@
             <a:pPr marL="0" indent="0">
               <a:buNone/>
             </a:pPr>
-            <a:endParaRPr lang="en-GB" b="1" u="sng" dirty="0">
+            <a:endParaRPr lang="en-GB" sz="1600" b="1" u="sng" dirty="0">
               <a:solidFill>
-                <a:schemeClr val="accent2">
-                  <a:lumMod val="75000"/>
-                </a:schemeClr>
+                <a:srgbClr val="FFFFFF"/>
               </a:solidFill>
               <a:effectLst>
                 <a:outerShdw blurRad="38100" dist="38100" dir="2700000" algn="tl">
@@ -6421,86 +6669,9 @@
             <a:pPr marL="0" indent="0">
               <a:buNone/>
             </a:pPr>
-            <a:r>
-              <a:rPr lang="en-GB" b="1" u="sng" dirty="0">
-                <a:solidFill>
-                  <a:schemeClr val="accent2">
-                    <a:lumMod val="75000"/>
-                  </a:schemeClr>
-                </a:solidFill>
-                <a:effectLst>
-                  <a:outerShdw blurRad="38100" dist="38100" dir="2700000" algn="tl">
-                    <a:srgbClr val="000000">
-                      <a:alpha val="43137"/>
-                    </a:srgbClr>
-                  </a:outerShdw>
-                </a:effectLst>
-              </a:rPr>
-              <a:t>The math model for exponential growth :</a:t>
-            </a:r>
-          </a:p>
-          <a:p>
-            <a:pPr marL="0" indent="0">
-              <a:buNone/>
-            </a:pPr>
-            <a:r>
-              <a:rPr lang="en-GB" dirty="0">
-                <a:solidFill>
-                  <a:schemeClr val="accent2">
-                    <a:lumMod val="75000"/>
-                  </a:schemeClr>
-                </a:solidFill>
-              </a:rPr>
-              <a:t> </a:t>
-            </a:r>
-            <a:r>
-              <a:rPr lang="en-GB" dirty="0" err="1">
-                <a:solidFill>
-                  <a:schemeClr val="tx1"/>
-                </a:solidFill>
-                <a:effectLst>
-                  <a:outerShdw blurRad="38100" dist="38100" dir="2700000" algn="tl">
-                    <a:srgbClr val="000000">
-                      <a:alpha val="43137"/>
-                    </a:srgbClr>
-                  </a:outerShdw>
-                </a:effectLst>
-              </a:rPr>
-              <a:t>dn</a:t>
-            </a:r>
-            <a:r>
-              <a:rPr lang="en-GB" dirty="0">
-                <a:solidFill>
-                  <a:schemeClr val="tx1"/>
-                </a:solidFill>
-                <a:effectLst>
-                  <a:outerShdw blurRad="38100" dist="38100" dir="2700000" algn="tl">
-                    <a:srgbClr val="000000">
-                      <a:alpha val="43137"/>
-                    </a:srgbClr>
-                  </a:outerShdw>
-                </a:effectLst>
-              </a:rPr>
-              <a:t>/dt=  </a:t>
-            </a:r>
-            <a:r>
-              <a:rPr lang="en-GB" dirty="0" err="1">
-                <a:solidFill>
-                  <a:schemeClr val="tx1"/>
-                </a:solidFill>
-                <a:effectLst>
-                  <a:outerShdw blurRad="38100" dist="38100" dir="2700000" algn="tl">
-                    <a:srgbClr val="000000">
-                      <a:alpha val="43137"/>
-                    </a:srgbClr>
-                  </a:outerShdw>
-                </a:effectLst>
-              </a:rPr>
-              <a:t>rN</a:t>
-            </a:r>
-            <a:endParaRPr lang="en-GB" dirty="0">
+            <a:endParaRPr lang="en-GB" sz="1600" b="1" u="sng" dirty="0">
               <a:solidFill>
-                <a:schemeClr val="tx1"/>
+                <a:srgbClr val="FFFFFF"/>
               </a:solidFill>
               <a:effectLst>
                 <a:outerShdw blurRad="38100" dist="38100" dir="2700000" algn="tl">
@@ -6512,411 +6683,177 @@
             </a:endParaRPr>
           </a:p>
           <a:p>
-            <a:r>
-              <a:rPr lang="en-GB" dirty="0">
-                <a:solidFill>
-                  <a:schemeClr val="tx1"/>
-                </a:solidFill>
-                <a:effectLst>
-                  <a:outerShdw blurRad="38100" dist="38100" dir="2700000" algn="tl">
-                    <a:srgbClr val="000000">
-                      <a:alpha val="43137"/>
-                    </a:srgbClr>
-                  </a:outerShdw>
-                </a:effectLst>
-              </a:rPr>
-              <a:t>N(t)=N</a:t>
-            </a:r>
-            <a:r>
-              <a:rPr lang="en-GB" sz="1100" dirty="0">
-                <a:solidFill>
-                  <a:schemeClr val="tx1"/>
-                </a:solidFill>
-                <a:effectLst>
-                  <a:outerShdw blurRad="38100" dist="38100" dir="2700000" algn="tl">
-                    <a:srgbClr val="000000">
-                      <a:alpha val="43137"/>
-                    </a:srgbClr>
-                  </a:outerShdw>
-                </a:effectLst>
-              </a:rPr>
-              <a:t>0</a:t>
-            </a:r>
-            <a:r>
-              <a:rPr lang="en-GB" sz="1600" dirty="0">
-                <a:solidFill>
-                  <a:schemeClr val="tx1"/>
-                </a:solidFill>
-                <a:effectLst>
-                  <a:outerShdw blurRad="38100" dist="38100" dir="2700000" algn="tl">
-                    <a:srgbClr val="000000">
-                      <a:alpha val="43137"/>
-                    </a:srgbClr>
-                  </a:outerShdw>
-                </a:effectLst>
-              </a:rPr>
-              <a:t> </a:t>
-            </a:r>
-            <a:r>
-              <a:rPr lang="en-GB" dirty="0" err="1">
-                <a:solidFill>
-                  <a:schemeClr val="tx1"/>
-                </a:solidFill>
-                <a:effectLst>
-                  <a:outerShdw blurRad="38100" dist="38100" dir="2700000" algn="tl">
-                    <a:srgbClr val="000000">
-                      <a:alpha val="43137"/>
-                    </a:srgbClr>
-                  </a:outerShdw>
-                </a:effectLst>
-              </a:rPr>
-              <a:t>e^</a:t>
-            </a:r>
-            <a:r>
-              <a:rPr lang="en-GB" sz="1800" dirty="0" err="1">
-                <a:solidFill>
-                  <a:schemeClr val="tx1"/>
-                </a:solidFill>
-                <a:effectLst>
-                  <a:outerShdw blurRad="38100" dist="38100" dir="2700000" algn="tl">
-                    <a:srgbClr val="000000">
-                      <a:alpha val="43137"/>
-                    </a:srgbClr>
-                  </a:outerShdw>
-                </a:effectLst>
-              </a:rPr>
-              <a:t>rt</a:t>
-            </a:r>
-            <a:endParaRPr lang="en-GB" sz="1800" dirty="0">
-              <a:solidFill>
-                <a:schemeClr val="tx1"/>
-              </a:solidFill>
-            </a:endParaRPr>
-          </a:p>
-          <a:p>
-            <a:r>
-              <a:rPr lang="en-GB" b="1" i="1" u="sng" dirty="0">
-                <a:solidFill>
-                  <a:schemeClr val="accent1">
-                    <a:lumMod val="50000"/>
-                  </a:schemeClr>
-                </a:solidFill>
-                <a:effectLst>
-                  <a:outerShdw blurRad="38100" dist="38100" dir="2700000" algn="tl">
-                    <a:srgbClr val="000000">
-                      <a:alpha val="43137"/>
-                    </a:srgbClr>
-                  </a:outerShdw>
-                </a:effectLst>
-              </a:rPr>
-              <a:t>The logistic model growth:</a:t>
-            </a:r>
-          </a:p>
-          <a:p>
-            <a:r>
-              <a:rPr lang="en-GB" dirty="0">
-                <a:solidFill>
-                  <a:schemeClr val="accent1">
-                    <a:lumMod val="50000"/>
-                  </a:schemeClr>
-                </a:solidFill>
-                <a:effectLst>
-                  <a:outerShdw blurRad="38100" dist="38100" dir="2700000" algn="tl">
-                    <a:srgbClr val="000000">
-                      <a:alpha val="43137"/>
-                    </a:srgbClr>
-                  </a:outerShdw>
-                </a:effectLst>
-              </a:rPr>
-              <a:t> </a:t>
-            </a:r>
-            <a:r>
-              <a:rPr lang="en-GB" dirty="0" err="1">
-                <a:solidFill>
-                  <a:schemeClr val="tx1"/>
-                </a:solidFill>
-                <a:effectLst>
-                  <a:outerShdw blurRad="38100" dist="38100" dir="2700000" algn="tl">
-                    <a:srgbClr val="000000">
-                      <a:alpha val="43137"/>
-                    </a:srgbClr>
-                  </a:outerShdw>
-                </a:effectLst>
-              </a:rPr>
-              <a:t>dn</a:t>
-            </a:r>
-            <a:r>
-              <a:rPr lang="en-GB" dirty="0">
-                <a:solidFill>
-                  <a:schemeClr val="tx1"/>
-                </a:solidFill>
-                <a:effectLst>
-                  <a:outerShdw blurRad="38100" dist="38100" dir="2700000" algn="tl">
-                    <a:srgbClr val="000000">
-                      <a:alpha val="43137"/>
-                    </a:srgbClr>
-                  </a:outerShdw>
-                </a:effectLst>
-              </a:rPr>
-              <a:t>/dt: </a:t>
-            </a:r>
-            <a:r>
-              <a:rPr lang="en-GB" dirty="0" err="1">
-                <a:solidFill>
-                  <a:schemeClr val="tx1"/>
-                </a:solidFill>
-                <a:effectLst>
-                  <a:outerShdw blurRad="38100" dist="38100" dir="2700000" algn="tl">
-                    <a:srgbClr val="000000">
-                      <a:alpha val="43137"/>
-                    </a:srgbClr>
-                  </a:outerShdw>
-                </a:effectLst>
-              </a:rPr>
-              <a:t>rN</a:t>
-            </a:r>
-            <a:r>
-              <a:rPr lang="en-GB" dirty="0">
-                <a:solidFill>
-                  <a:schemeClr val="tx1"/>
-                </a:solidFill>
-                <a:effectLst>
-                  <a:outerShdw blurRad="38100" dist="38100" dir="2700000" algn="tl">
-                    <a:srgbClr val="000000">
-                      <a:alpha val="43137"/>
-                    </a:srgbClr>
-                  </a:outerShdw>
-                </a:effectLst>
-              </a:rPr>
-              <a:t>(1 – N/K)</a:t>
-            </a:r>
-          </a:p>
-          <a:p>
-            <a:r>
-              <a:rPr lang="en-GB" dirty="0">
-                <a:solidFill>
-                  <a:schemeClr val="tx1"/>
-                </a:solidFill>
-                <a:effectLst>
-                  <a:outerShdw blurRad="38100" dist="38100" dir="2700000" algn="tl">
-                    <a:srgbClr val="000000">
-                      <a:alpha val="43137"/>
-                    </a:srgbClr>
-                  </a:outerShdw>
-                </a:effectLst>
-              </a:rPr>
-              <a:t>N(t)= N</a:t>
-            </a:r>
-            <a:r>
-              <a:rPr lang="en-GB" sz="1400" dirty="0">
-                <a:solidFill>
-                  <a:schemeClr val="tx1"/>
-                </a:solidFill>
-                <a:effectLst>
-                  <a:outerShdw blurRad="38100" dist="38100" dir="2700000" algn="tl">
-                    <a:srgbClr val="000000">
-                      <a:alpha val="43137"/>
-                    </a:srgbClr>
-                  </a:outerShdw>
-                </a:effectLst>
-              </a:rPr>
-              <a:t>0</a:t>
-            </a:r>
-            <a:r>
-              <a:rPr lang="en-GB" dirty="0">
-                <a:solidFill>
-                  <a:schemeClr val="tx1"/>
-                </a:solidFill>
-                <a:effectLst>
-                  <a:outerShdw blurRad="38100" dist="38100" dir="2700000" algn="tl">
-                    <a:srgbClr val="000000">
-                      <a:alpha val="43137"/>
-                    </a:srgbClr>
-                  </a:outerShdw>
-                </a:effectLst>
-              </a:rPr>
-              <a:t> </a:t>
-            </a:r>
-            <a:r>
-              <a:rPr lang="en-GB" dirty="0" err="1">
-                <a:solidFill>
-                  <a:schemeClr val="tx1"/>
-                </a:solidFill>
-                <a:effectLst>
-                  <a:outerShdw blurRad="38100" dist="38100" dir="2700000" algn="tl">
-                    <a:srgbClr val="000000">
-                      <a:alpha val="43137"/>
-                    </a:srgbClr>
-                  </a:outerShdw>
-                </a:effectLst>
-              </a:rPr>
-              <a:t>ke^</a:t>
-            </a:r>
-            <a:r>
-              <a:rPr lang="en-GB" sz="1800" dirty="0" err="1">
-                <a:solidFill>
-                  <a:schemeClr val="tx1"/>
-                </a:solidFill>
-                <a:effectLst>
-                  <a:outerShdw blurRad="38100" dist="38100" dir="2700000" algn="tl">
-                    <a:srgbClr val="000000">
-                      <a:alpha val="43137"/>
-                    </a:srgbClr>
-                  </a:outerShdw>
-                </a:effectLst>
-              </a:rPr>
-              <a:t>rt</a:t>
-            </a:r>
-            <a:r>
-              <a:rPr lang="en-GB" dirty="0">
-                <a:solidFill>
-                  <a:schemeClr val="tx1"/>
-                </a:solidFill>
-                <a:effectLst>
-                  <a:outerShdw blurRad="38100" dist="38100" dir="2700000" algn="tl">
-                    <a:srgbClr val="000000">
-                      <a:alpha val="43137"/>
-                    </a:srgbClr>
-                  </a:outerShdw>
-                </a:effectLst>
-              </a:rPr>
-              <a:t>/k+N</a:t>
-            </a:r>
-            <a:r>
-              <a:rPr lang="en-GB" sz="1200" dirty="0">
-                <a:solidFill>
-                  <a:schemeClr val="tx1"/>
-                </a:solidFill>
-                <a:effectLst>
-                  <a:outerShdw blurRad="38100" dist="38100" dir="2700000" algn="tl">
-                    <a:srgbClr val="000000">
-                      <a:alpha val="43137"/>
-                    </a:srgbClr>
-                  </a:outerShdw>
-                </a:effectLst>
-              </a:rPr>
-              <a:t>0</a:t>
-            </a:r>
-            <a:r>
-              <a:rPr lang="en-GB" dirty="0">
-                <a:solidFill>
-                  <a:schemeClr val="tx1"/>
-                </a:solidFill>
-                <a:effectLst>
-                  <a:outerShdw blurRad="38100" dist="38100" dir="2700000" algn="tl">
-                    <a:srgbClr val="000000">
-                      <a:alpha val="43137"/>
-                    </a:srgbClr>
-                  </a:outerShdw>
-                </a:effectLst>
-              </a:rPr>
-              <a:t>(</a:t>
-            </a:r>
-            <a:r>
-              <a:rPr lang="en-GB" sz="2400" dirty="0" err="1">
-                <a:solidFill>
-                  <a:schemeClr val="tx1"/>
-                </a:solidFill>
-                <a:effectLst>
-                  <a:outerShdw blurRad="38100" dist="38100" dir="2700000" algn="tl">
-                    <a:srgbClr val="000000">
-                      <a:alpha val="43137"/>
-                    </a:srgbClr>
-                  </a:outerShdw>
-                </a:effectLst>
-              </a:rPr>
-              <a:t>e</a:t>
-            </a:r>
-            <a:r>
-              <a:rPr lang="en-GB" sz="1400" dirty="0" err="1">
-                <a:solidFill>
-                  <a:schemeClr val="tx1"/>
-                </a:solidFill>
-                <a:effectLst>
-                  <a:outerShdw blurRad="38100" dist="38100" dir="2700000" algn="tl">
-                    <a:srgbClr val="000000">
-                      <a:alpha val="43137"/>
-                    </a:srgbClr>
-                  </a:outerShdw>
-                </a:effectLst>
-              </a:rPr>
-              <a:t>^</a:t>
-            </a:r>
-            <a:r>
-              <a:rPr lang="en-GB" sz="1600" dirty="0" err="1">
-                <a:solidFill>
-                  <a:schemeClr val="tx1"/>
-                </a:solidFill>
-                <a:effectLst>
-                  <a:outerShdw blurRad="38100" dist="38100" dir="2700000" algn="tl">
-                    <a:srgbClr val="000000">
-                      <a:alpha val="43137"/>
-                    </a:srgbClr>
-                  </a:outerShdw>
-                </a:effectLst>
-              </a:rPr>
-              <a:t>rt</a:t>
-            </a:r>
-            <a:r>
-              <a:rPr lang="en-GB" dirty="0">
-                <a:solidFill>
-                  <a:schemeClr val="tx1"/>
-                </a:solidFill>
-                <a:effectLst>
-                  <a:outerShdw blurRad="38100" dist="38100" dir="2700000" algn="tl">
-                    <a:srgbClr val="000000">
-                      <a:alpha val="43137"/>
-                    </a:srgbClr>
-                  </a:outerShdw>
-                </a:effectLst>
-              </a:rPr>
-              <a:t> -1)</a:t>
-            </a:r>
-          </a:p>
-          <a:p>
-            <a:endParaRPr lang="en-GB" dirty="0">
-              <a:solidFill>
-                <a:schemeClr val="tx1"/>
-              </a:solidFill>
-            </a:endParaRPr>
-          </a:p>
-          <a:p>
-            <a:endParaRPr lang="en-GB" dirty="0">
-              <a:solidFill>
-                <a:schemeClr val="accent1">
-                  <a:lumMod val="50000"/>
-                </a:schemeClr>
-              </a:solidFill>
-            </a:endParaRPr>
-          </a:p>
-          <a:p>
             <a:pPr marL="0" indent="0">
               <a:buNone/>
             </a:pPr>
-            <a:endParaRPr lang="en-GB" dirty="0">
+            <a:endParaRPr lang="en-GB" sz="1600" b="1" u="sng" dirty="0">
               <a:solidFill>
-                <a:schemeClr val="tx1"/>
+                <a:srgbClr val="FFFFFF"/>
+              </a:solidFill>
+              <a:effectLst>
+                <a:outerShdw blurRad="38100" dist="38100" dir="2700000" algn="tl">
+                  <a:srgbClr val="000000">
+                    <a:alpha val="43137"/>
+                  </a:srgbClr>
+                </a:outerShdw>
+              </a:effectLst>
+            </a:endParaRPr>
+          </a:p>
+          <a:p>
+            <a:endParaRPr lang="en-GB" sz="1600" dirty="0">
+              <a:solidFill>
+                <a:srgbClr val="FFFFFF"/>
               </a:solidFill>
             </a:endParaRPr>
-          </a:p>
-          <a:p>
-            <a:endParaRPr lang="nl-NL" altLang="ko-KR" dirty="0"/>
           </a:p>
           <a:p>
             <a:pPr marL="0" indent="0">
               <a:buNone/>
             </a:pPr>
-            <a:endParaRPr lang="nl-NL" dirty="0"/>
+            <a:endParaRPr lang="en-GB" sz="1600" dirty="0">
+              <a:solidFill>
+                <a:srgbClr val="FFFFFF"/>
+              </a:solidFill>
+            </a:endParaRPr>
+          </a:p>
+          <a:p>
+            <a:pPr marL="0" indent="0">
+              <a:buNone/>
+            </a:pPr>
+            <a:endParaRPr lang="nl-NL" sz="1600" dirty="0">
+              <a:solidFill>
+                <a:srgbClr val="FFFFFF"/>
+              </a:solidFill>
+            </a:endParaRPr>
           </a:p>
           <a:p>
             <a:pPr marL="266700" indent="-165497">
               <a:buFont typeface="Arial" panose="020B0604020202020204" pitchFamily="34" charset="0"/>
               <a:buChar char="•"/>
             </a:pPr>
-            <a:endParaRPr lang="en-US" dirty="0"/>
-          </a:p>
-        </p:txBody>
-      </p:sp>
+            <a:endParaRPr lang="en-US" sz="1600" dirty="0">
+              <a:solidFill>
+                <a:srgbClr val="FFFFFF"/>
+              </a:solidFill>
+            </a:endParaRPr>
+          </a:p>
+        </p:txBody>
+      </p:sp>
+      <p:sp>
+        <p:nvSpPr>
+          <p:cNvPr id="15" name="Rectangle 14">
+            <a:extLst>
+              <a:ext uri="{FF2B5EF4-FFF2-40B4-BE49-F238E27FC236}">
+                <a16:creationId xmlns:a16="http://schemas.microsoft.com/office/drawing/2014/main" id="{D0EA43E2-C9E1-4415-824D-FC15F7E61EFB}"/>
+              </a:ext>
+              <a:ext uri="{C183D7F6-B498-43B3-948B-1728B52AA6E4}">
+                <adec:decorative xmlns:adec="http://schemas.microsoft.com/office/drawing/2017/decorative" val="1"/>
+              </a:ext>
+            </a:extLst>
+          </p:cNvPr>
+          <p:cNvSpPr>
+            <a:spLocks noGrp="1" noRot="1" noChangeAspect="1" noMove="1" noResize="1" noEditPoints="1" noAdjustHandles="1" noChangeArrowheads="1" noChangeShapeType="1" noTextEdit="1"/>
+          </p:cNvSpPr>
+          <p:nvPr>
+            <p:extLst>
+              <p:ext uri="{386F3935-93C4-4BCD-93E2-E3B085C9AB24}">
+                <p16:designElem xmlns:p16="http://schemas.microsoft.com/office/powerpoint/2015/main" val="1"/>
+              </p:ext>
+            </p:extLst>
+          </p:nvPr>
+        </p:nvSpPr>
+        <p:spPr>
+          <a:xfrm>
+            <a:off x="6084506" y="0"/>
+            <a:ext cx="51598" cy="6858000"/>
+          </a:xfrm>
+          <a:prstGeom prst="rect">
+            <a:avLst/>
+          </a:prstGeom>
+          <a:solidFill>
+            <a:schemeClr val="accent1"/>
+          </a:solidFill>
+          <a:ln>
+            <a:noFill/>
+          </a:ln>
+        </p:spPr>
+        <p:style>
+          <a:lnRef idx="2">
+            <a:schemeClr val="accent1">
+              <a:shade val="50000"/>
+            </a:schemeClr>
+          </a:lnRef>
+          <a:fillRef idx="1">
+            <a:schemeClr val="accent1"/>
+          </a:fillRef>
+          <a:effectRef idx="0">
+            <a:schemeClr val="accent1"/>
+          </a:effectRef>
+          <a:fontRef idx="minor">
+            <a:schemeClr val="lt1"/>
+          </a:fontRef>
+        </p:style>
+      </p:sp>
+      <p:pic>
+        <p:nvPicPr>
+          <p:cNvPr id="5" name="Afbeelding 4">
+            <a:extLst>
+              <a:ext uri="{FF2B5EF4-FFF2-40B4-BE49-F238E27FC236}">
+                <a16:creationId xmlns:a16="http://schemas.microsoft.com/office/drawing/2014/main" id="{B6B1ADDD-582C-43A1-B9F8-BEAB168CF713}"/>
+              </a:ext>
+            </a:extLst>
+          </p:cNvPr>
+          <p:cNvPicPr>
+            <a:picLocks noChangeAspect="1"/>
+          </p:cNvPicPr>
+          <p:nvPr/>
+        </p:nvPicPr>
+        <p:blipFill>
+          <a:blip r:embed="rId3"/>
+          <a:stretch>
+            <a:fillRect/>
+          </a:stretch>
+        </p:blipFill>
+        <p:spPr>
+          <a:xfrm>
+            <a:off x="6641877" y="4406817"/>
+            <a:ext cx="2665771" cy="942593"/>
+          </a:xfrm>
+          <a:prstGeom prst="rect">
+            <a:avLst/>
+          </a:prstGeom>
+        </p:spPr>
+      </p:pic>
+      <p:pic>
+        <p:nvPicPr>
+          <p:cNvPr id="7" name="Afbeelding 6">
+            <a:extLst>
+              <a:ext uri="{FF2B5EF4-FFF2-40B4-BE49-F238E27FC236}">
+                <a16:creationId xmlns:a16="http://schemas.microsoft.com/office/drawing/2014/main" id="{EC76304B-C5A9-44BD-BB49-0C9CAF930D0A}"/>
+              </a:ext>
+            </a:extLst>
+          </p:cNvPr>
+          <p:cNvPicPr>
+            <a:picLocks noChangeAspect="1"/>
+          </p:cNvPicPr>
+          <p:nvPr/>
+        </p:nvPicPr>
+        <p:blipFill>
+          <a:blip r:embed="rId4"/>
+          <a:stretch>
+            <a:fillRect/>
+          </a:stretch>
+        </p:blipFill>
+        <p:spPr>
+          <a:xfrm>
+            <a:off x="6777616" y="1682085"/>
+            <a:ext cx="2047875" cy="1228725"/>
+          </a:xfrm>
+          <a:prstGeom prst="rect">
+            <a:avLst/>
+          </a:prstGeom>
+        </p:spPr>
+      </p:pic>
     </p:spTree>
     <p:extLst>
       <p:ext uri="{BB962C8B-B14F-4D97-AF65-F5344CB8AC3E}">
@@ -6933,6 +6870,14 @@
 <file path=ppt/slides/slide8.xml><?xml version="1.0" encoding="utf-8"?>
 <p:sld xmlns:a="http://schemas.openxmlformats.org/drawingml/2006/main" xmlns:r="http://schemas.openxmlformats.org/officeDocument/2006/relationships" xmlns:p="http://schemas.openxmlformats.org/presentationml/2006/main">
   <p:cSld>
+    <p:bg>
+      <p:bgPr>
+        <a:solidFill>
+          <a:schemeClr val="bg1"/>
+        </a:solidFill>
+        <a:effectLst/>
+      </p:bgPr>
+    </p:bg>
     <p:spTree>
       <p:nvGrpSpPr>
         <p:cNvPr id="1" name=""/>
@@ -6947,56 +6892,249 @@
           <a:chExt cx="0" cy="0"/>
         </a:xfrm>
       </p:grpSpPr>
-      <p:sp>
-        <p:nvSpPr>
-          <p:cNvPr id="2" name="Title 1">
+      <p:sp useBgFill="1">
+        <p:nvSpPr>
+          <p:cNvPr id="20" name="Rectangle 11">
             <a:extLst>
               <a:ext uri="{FF2B5EF4-FFF2-40B4-BE49-F238E27FC236}">
-                <a16:creationId xmlns:a16="http://schemas.microsoft.com/office/drawing/2014/main" id="{0D48A86F-670B-496E-A86C-58B2D13F35AA}"/>
+                <a16:creationId xmlns:a16="http://schemas.microsoft.com/office/drawing/2014/main" id="{F207E69B-0F6F-4D15-A988-616519F68BEF}"/>
+              </a:ext>
+              <a:ext uri="{C183D7F6-B498-43B3-948B-1728B52AA6E4}">
+                <adec:decorative xmlns:adec="http://schemas.microsoft.com/office/drawing/2017/decorative" val="1"/>
               </a:ext>
             </a:extLst>
           </p:cNvPr>
           <p:cNvSpPr>
-            <a:spLocks noGrp="1"/>
-          </p:cNvSpPr>
-          <p:nvPr>
-            <p:ph type="title"/>
-          </p:nvPr>
-        </p:nvSpPr>
-        <p:spPr>
-          <a:xfrm>
-            <a:off x="884539" y="286605"/>
-            <a:ext cx="8108276" cy="1313595"/>
+            <a:spLocks noGrp="1" noRot="1" noChangeAspect="1" noMove="1" noResize="1" noEditPoints="1" noAdjustHandles="1" noChangeArrowheads="1" noChangeShapeType="1" noTextEdit="1"/>
+          </p:cNvSpPr>
+          <p:nvPr>
+            <p:extLst>
+              <p:ext uri="{386F3935-93C4-4BCD-93E2-E3B085C9AB24}">
+                <p16:designElem xmlns:p16="http://schemas.microsoft.com/office/powerpoint/2015/main" val="1"/>
+              </p:ext>
+            </p:extLst>
+          </p:nvPr>
+        </p:nvSpPr>
+        <p:spPr>
+          <a:xfrm>
+            <a:off x="0" y="0"/>
+            <a:ext cx="9823629" cy="6858000"/>
+          </a:xfrm>
+          <a:prstGeom prst="rect">
+            <a:avLst/>
+          </a:prstGeom>
+          <a:ln>
+            <a:noFill/>
+          </a:ln>
+        </p:spPr>
+        <p:style>
+          <a:lnRef idx="2">
+            <a:schemeClr val="accent6">
+              <a:shade val="50000"/>
+            </a:schemeClr>
+          </a:lnRef>
+          <a:fillRef idx="1001">
+            <a:schemeClr val="lt1"/>
+          </a:fillRef>
+          <a:effectRef idx="0">
+            <a:schemeClr val="accent6"/>
+          </a:effectRef>
+          <a:fontRef idx="minor">
+            <a:schemeClr val="lt1"/>
+          </a:fontRef>
+        </p:style>
+        <p:txBody>
+          <a:bodyPr rtlCol="0" anchor="ctr"/>
+          <a:lstStyle/>
+          <a:p>
+            <a:pPr algn="ctr"/>
+            <a:endParaRPr lang="en-US"/>
+          </a:p>
+        </p:txBody>
+      </p:sp>
+      <p:sp>
+        <p:nvSpPr>
+          <p:cNvPr id="21" name="Rectangle 13">
+            <a:extLst>
+              <a:ext uri="{FF2B5EF4-FFF2-40B4-BE49-F238E27FC236}">
+                <a16:creationId xmlns:a16="http://schemas.microsoft.com/office/drawing/2014/main" id="{24113C24-A97F-448E-BE2B-73E74A61D80A}"/>
+              </a:ext>
+              <a:ext uri="{C183D7F6-B498-43B3-948B-1728B52AA6E4}">
+                <adec:decorative xmlns:adec="http://schemas.microsoft.com/office/drawing/2017/decorative" val="1"/>
+              </a:ext>
+            </a:extLst>
+          </p:cNvPr>
+          <p:cNvSpPr>
+            <a:spLocks noGrp="1" noRot="1" noChangeAspect="1" noMove="1" noResize="1" noEditPoints="1" noAdjustHandles="1" noChangeArrowheads="1" noChangeShapeType="1" noTextEdit="1"/>
+          </p:cNvSpPr>
+          <p:nvPr>
+            <p:extLst>
+              <p:ext uri="{386F3935-93C4-4BCD-93E2-E3B085C9AB24}">
+                <p16:designElem xmlns:p16="http://schemas.microsoft.com/office/powerpoint/2015/main" val="1"/>
+              </p:ext>
+            </p:extLst>
+          </p:nvPr>
+        </p:nvSpPr>
+        <p:spPr bwMode="white">
+          <a:xfrm>
+            <a:off x="12" y="0"/>
+            <a:ext cx="6084494" cy="6858000"/>
+          </a:xfrm>
+          <a:prstGeom prst="rect">
+            <a:avLst/>
+          </a:prstGeom>
+          <a:solidFill>
+            <a:schemeClr val="accent2"/>
+          </a:solidFill>
+          <a:ln>
+            <a:noFill/>
+          </a:ln>
+        </p:spPr>
+        <p:style>
+          <a:lnRef idx="2">
+            <a:schemeClr val="accent1">
+              <a:shade val="50000"/>
+            </a:schemeClr>
+          </a:lnRef>
+          <a:fillRef idx="1">
+            <a:schemeClr val="accent1"/>
+          </a:fillRef>
+          <a:effectRef idx="0">
+            <a:schemeClr val="accent1"/>
+          </a:effectRef>
+          <a:fontRef idx="minor">
+            <a:schemeClr val="lt1"/>
+          </a:fontRef>
+        </p:style>
+      </p:sp>
+      <p:sp>
+        <p:nvSpPr>
+          <p:cNvPr id="4" name="Titel 1">
+            <a:extLst>
+              <a:ext uri="{FF2B5EF4-FFF2-40B4-BE49-F238E27FC236}">
+                <a16:creationId xmlns:a16="http://schemas.microsoft.com/office/drawing/2014/main" id="{A3BB81C7-CA6A-4A85-A526-4FBAF0FE248D}"/>
+              </a:ext>
+            </a:extLst>
+          </p:cNvPr>
+          <p:cNvSpPr>
+            <a:spLocks noGrp="1"/>
+          </p:cNvSpPr>
+          <p:nvPr>
+            <p:ph idx="1"/>
+          </p:nvPr>
+        </p:nvSpPr>
+        <p:spPr>
+          <a:xfrm>
+            <a:off x="884538" y="2236304"/>
+            <a:ext cx="4818934" cy="3652667"/>
           </a:xfrm>
         </p:spPr>
         <p:txBody>
           <a:bodyPr>
-            <a:normAutofit fontScale="90000"/>
+            <a:normAutofit/>
           </a:bodyPr>
           <a:lstStyle/>
           <a:p>
             <a:r>
-              <a:rPr lang="en-US" b="1" dirty="0"/>
-              <a:t>Interaction between large herbivores (Cattle and horses) </a:t>
-            </a:r>
-          </a:p>
-        </p:txBody>
+              <a:rPr lang="en-GB" sz="3200" b="1" i="1" u="sng" dirty="0">
+                <a:solidFill>
+                  <a:srgbClr val="FFFFFF"/>
+                </a:solidFill>
+                <a:effectLst>
+                  <a:outerShdw blurRad="38100" dist="38100" dir="2700000" algn="tl">
+                    <a:srgbClr val="000000">
+                      <a:alpha val="43137"/>
+                    </a:srgbClr>
+                  </a:outerShdw>
+                </a:effectLst>
+              </a:rPr>
+              <a:t>The logistic model growth:</a:t>
+            </a:r>
+          </a:p>
+          <a:p>
+            <a:endParaRPr lang="en-GB" sz="1600" dirty="0">
+              <a:solidFill>
+                <a:srgbClr val="FFFFFF"/>
+              </a:solidFill>
+            </a:endParaRPr>
+          </a:p>
+          <a:p>
+            <a:endParaRPr lang="en-GB" sz="1600" dirty="0">
+              <a:solidFill>
+                <a:srgbClr val="FFFFFF"/>
+              </a:solidFill>
+            </a:endParaRPr>
+          </a:p>
+        </p:txBody>
+      </p:sp>
+      <p:sp>
+        <p:nvSpPr>
+          <p:cNvPr id="22" name="Rectangle 15">
+            <a:extLst>
+              <a:ext uri="{FF2B5EF4-FFF2-40B4-BE49-F238E27FC236}">
+                <a16:creationId xmlns:a16="http://schemas.microsoft.com/office/drawing/2014/main" id="{D0EA43E2-C9E1-4415-824D-FC15F7E61EFB}"/>
+              </a:ext>
+              <a:ext uri="{C183D7F6-B498-43B3-948B-1728B52AA6E4}">
+                <adec:decorative xmlns:adec="http://schemas.microsoft.com/office/drawing/2017/decorative" val="1"/>
+              </a:ext>
+            </a:extLst>
+          </p:cNvPr>
+          <p:cNvSpPr>
+            <a:spLocks noGrp="1" noRot="1" noChangeAspect="1" noMove="1" noResize="1" noEditPoints="1" noAdjustHandles="1" noChangeArrowheads="1" noChangeShapeType="1" noTextEdit="1"/>
+          </p:cNvSpPr>
+          <p:nvPr>
+            <p:extLst>
+              <p:ext uri="{386F3935-93C4-4BCD-93E2-E3B085C9AB24}">
+                <p16:designElem xmlns:p16="http://schemas.microsoft.com/office/powerpoint/2015/main" val="1"/>
+              </p:ext>
+            </p:extLst>
+          </p:nvPr>
+        </p:nvSpPr>
+        <p:spPr>
+          <a:xfrm>
+            <a:off x="6084506" y="0"/>
+            <a:ext cx="51598" cy="6858000"/>
+          </a:xfrm>
+          <a:prstGeom prst="rect">
+            <a:avLst/>
+          </a:prstGeom>
+          <a:solidFill>
+            <a:schemeClr val="accent1"/>
+          </a:solidFill>
+          <a:ln>
+            <a:noFill/>
+          </a:ln>
+        </p:spPr>
+        <p:style>
+          <a:lnRef idx="2">
+            <a:schemeClr val="accent1">
+              <a:shade val="50000"/>
+            </a:schemeClr>
+          </a:lnRef>
+          <a:fillRef idx="1">
+            <a:schemeClr val="accent1"/>
+          </a:fillRef>
+          <a:effectRef idx="0">
+            <a:schemeClr val="accent1"/>
+          </a:effectRef>
+          <a:fontRef idx="minor">
+            <a:schemeClr val="lt1"/>
+          </a:fontRef>
+        </p:style>
       </p:sp>
       <p:pic>
         <p:nvPicPr>
-          <p:cNvPr id="7" name="Content Placeholder 6" descr="A screenshot of a cell phone&#10;&#10;Description automatically generated">
+          <p:cNvPr id="7" name="Afbeelding 6">
             <a:extLst>
               <a:ext uri="{FF2B5EF4-FFF2-40B4-BE49-F238E27FC236}">
-                <a16:creationId xmlns:a16="http://schemas.microsoft.com/office/drawing/2014/main" id="{2AF72809-BC6B-4356-A3CB-3E84C50CB61F}"/>
+                <a16:creationId xmlns:a16="http://schemas.microsoft.com/office/drawing/2014/main" id="{7B9A2546-617C-48A3-BC15-00CD70C3E78E}"/>
               </a:ext>
             </a:extLst>
           </p:cNvPr>
           <p:cNvPicPr>
-            <a:picLocks noGrp="1" noChangeAspect="1"/>
+            <a:picLocks noChangeAspect="1"/>
           </p:cNvPicPr>
-          <p:nvPr>
-            <p:ph idx="1"/>
-          </p:nvPr>
+          <p:nvPr/>
         </p:nvPicPr>
         <p:blipFill>
           <a:blip r:embed="rId2"/>
@@ -7006,15 +7144,48 @@
         </p:blipFill>
         <p:spPr>
           <a:xfrm>
-            <a:off x="237732" y="1871663"/>
-            <a:ext cx="8949131" cy="4300537"/>
-          </a:xfrm>
+            <a:off x="6652086" y="1365931"/>
+            <a:ext cx="2655562" cy="1254752"/>
+          </a:xfrm>
+          <a:prstGeom prst="rect">
+            <a:avLst/>
+          </a:prstGeom>
+        </p:spPr>
+      </p:pic>
+      <p:pic>
+        <p:nvPicPr>
+          <p:cNvPr id="6" name="Afbeelding 5">
+            <a:extLst>
+              <a:ext uri="{FF2B5EF4-FFF2-40B4-BE49-F238E27FC236}">
+                <a16:creationId xmlns:a16="http://schemas.microsoft.com/office/drawing/2014/main" id="{8844E43B-FD41-43E0-AAB9-F8732039B1FA}"/>
+              </a:ext>
+            </a:extLst>
+          </p:cNvPr>
+          <p:cNvPicPr>
+            <a:picLocks noChangeAspect="1"/>
+          </p:cNvPicPr>
+          <p:nvPr/>
+        </p:nvPicPr>
+        <p:blipFill>
+          <a:blip r:embed="rId3"/>
+          <a:stretch>
+            <a:fillRect/>
+          </a:stretch>
+        </p:blipFill>
+        <p:spPr>
+          <a:xfrm>
+            <a:off x="6641877" y="4411604"/>
+            <a:ext cx="2665771" cy="933019"/>
+          </a:xfrm>
+          <a:prstGeom prst="rect">
+            <a:avLst/>
+          </a:prstGeom>
         </p:spPr>
       </p:pic>
     </p:spTree>
     <p:extLst>
       <p:ext uri="{BB962C8B-B14F-4D97-AF65-F5344CB8AC3E}">
-        <p14:creationId xmlns:p14="http://schemas.microsoft.com/office/powerpoint/2010/main" val="3093150274"/>
+        <p14:creationId xmlns:p14="http://schemas.microsoft.com/office/powerpoint/2010/main" val="823436593"/>
       </p:ext>
     </p:extLst>
   </p:cSld>
@@ -7046,7 +7217,7 @@
           <p:cNvPr id="2" name="Title 1">
             <a:extLst>
               <a:ext uri="{FF2B5EF4-FFF2-40B4-BE49-F238E27FC236}">
-                <a16:creationId xmlns:a16="http://schemas.microsoft.com/office/drawing/2014/main" id="{6EEF9244-93B4-47AD-B77B-FF5660D88017}"/>
+                <a16:creationId xmlns:a16="http://schemas.microsoft.com/office/drawing/2014/main" id="{0D48A86F-670B-496E-A86C-58B2D13F35AA}"/>
               </a:ext>
             </a:extLst>
           </p:cNvPr>
@@ -7057,7 +7228,12 @@
             <p:ph type="title"/>
           </p:nvPr>
         </p:nvSpPr>
-        <p:spPr/>
+        <p:spPr>
+          <a:xfrm>
+            <a:off x="884539" y="286605"/>
+            <a:ext cx="8108276" cy="1313595"/>
+          </a:xfrm>
+        </p:spPr>
         <p:txBody>
           <a:bodyPr>
             <a:normAutofit fontScale="90000"/>
@@ -7066,17 +7242,17 @@
           <a:p>
             <a:r>
               <a:rPr lang="en-US" b="1" dirty="0"/>
-              <a:t>Model with migration effect (Simple metapopulation growth rate)</a:t>
+              <a:t>Interaction between large herbivores (Cattle and horses) </a:t>
             </a:r>
           </a:p>
         </p:txBody>
       </p:sp>
       <p:pic>
         <p:nvPicPr>
-          <p:cNvPr id="5" name="Content Placeholder 4" descr="A drawing of a person&#10;&#10;Description automatically generated">
+          <p:cNvPr id="7" name="Content Placeholder 6" descr="A screenshot of a cell phone&#10;&#10;Description automatically generated">
             <a:extLst>
               <a:ext uri="{FF2B5EF4-FFF2-40B4-BE49-F238E27FC236}">
-                <a16:creationId xmlns:a16="http://schemas.microsoft.com/office/drawing/2014/main" id="{E79A4E45-3BFD-480C-8A3E-E14438314723}"/>
+                <a16:creationId xmlns:a16="http://schemas.microsoft.com/office/drawing/2014/main" id="{2AF72809-BC6B-4356-A3CB-3E84C50CB61F}"/>
               </a:ext>
             </a:extLst>
           </p:cNvPr>
@@ -7095,15 +7271,15 @@
         </p:blipFill>
         <p:spPr>
           <a:xfrm>
-            <a:off x="970997" y="2790675"/>
-            <a:ext cx="7935432" cy="2609999"/>
+            <a:off x="237732" y="1871663"/>
+            <a:ext cx="8949131" cy="4300537"/>
           </a:xfrm>
         </p:spPr>
       </p:pic>
     </p:spTree>
     <p:extLst>
       <p:ext uri="{BB962C8B-B14F-4D97-AF65-F5344CB8AC3E}">
-        <p14:creationId xmlns:p14="http://schemas.microsoft.com/office/powerpoint/2010/main" val="2042370137"/>
+        <p14:creationId xmlns:p14="http://schemas.microsoft.com/office/powerpoint/2010/main" val="3093150274"/>
       </p:ext>
     </p:extLst>
   </p:cSld>

--- a/Paper Work/Presentation/Project Application Development 1.1.pptx
+++ b/Paper Work/Presentation/Project Application Development 1.1.pptx
@@ -5,10 +5,10 @@
     <p:sldMasterId id="2147483695" r:id="rId1"/>
   </p:sldMasterIdLst>
   <p:notesMasterIdLst>
-    <p:notesMasterId r:id="rId15"/>
+    <p:notesMasterId r:id="rId18"/>
   </p:notesMasterIdLst>
   <p:handoutMasterIdLst>
-    <p:handoutMasterId r:id="rId16"/>
+    <p:handoutMasterId r:id="rId19"/>
   </p:handoutMasterIdLst>
   <p:sldIdLst>
     <p:sldId id="257" r:id="rId2"/>
@@ -21,9 +21,12 @@
     <p:sldId id="279" r:id="rId9"/>
     <p:sldId id="280" r:id="rId10"/>
     <p:sldId id="277" r:id="rId11"/>
-    <p:sldId id="282" r:id="rId12"/>
-    <p:sldId id="276" r:id="rId13"/>
-    <p:sldId id="278" r:id="rId14"/>
+    <p:sldId id="283" r:id="rId12"/>
+    <p:sldId id="284" r:id="rId13"/>
+    <p:sldId id="282" r:id="rId14"/>
+    <p:sldId id="276" r:id="rId15"/>
+    <p:sldId id="285" r:id="rId16"/>
+    <p:sldId id="278" r:id="rId17"/>
   </p:sldIdLst>
   <p:sldSz cx="9828213" cy="6858000"/>
   <p:notesSz cx="7023100" cy="9309100"/>
@@ -818,6 +821,282 @@
     </p:spTree>
     <p:extLst>
       <p:ext uri="{BB962C8B-B14F-4D97-AF65-F5344CB8AC3E}">
+        <p14:creationId xmlns:p14="http://schemas.microsoft.com/office/powerpoint/2010/main" val="3981386523"/>
+      </p:ext>
+    </p:extLst>
+  </p:cSld>
+  <p:clrMapOvr>
+    <a:masterClrMapping/>
+  </p:clrMapOvr>
+</p:notes>
+</file>
+
+<file path=ppt/notesSlides/notesSlide11.xml><?xml version="1.0" encoding="utf-8"?>
+<p:notes xmlns:a="http://schemas.openxmlformats.org/drawingml/2006/main" xmlns:r="http://schemas.openxmlformats.org/officeDocument/2006/relationships" xmlns:p="http://schemas.openxmlformats.org/presentationml/2006/main">
+  <p:cSld>
+    <p:spTree>
+      <p:nvGrpSpPr>
+        <p:cNvPr id="1" name=""/>
+        <p:cNvGrpSpPr/>
+        <p:nvPr/>
+      </p:nvGrpSpPr>
+      <p:grpSpPr>
+        <a:xfrm>
+          <a:off x="0" y="0"/>
+          <a:ext cx="0" cy="0"/>
+          <a:chOff x="0" y="0"/>
+          <a:chExt cx="0" cy="0"/>
+        </a:xfrm>
+      </p:grpSpPr>
+      <p:sp>
+        <p:nvSpPr>
+          <p:cNvPr id="2" name="Slide Image Placeholder 1"/>
+          <p:cNvSpPr>
+            <a:spLocks noGrp="1" noRot="1" noChangeAspect="1"/>
+          </p:cNvSpPr>
+          <p:nvPr>
+            <p:ph type="sldImg"/>
+          </p:nvPr>
+        </p:nvSpPr>
+        <p:spPr>
+          <a:xfrm>
+            <a:off x="1260475" y="1163638"/>
+            <a:ext cx="4502150" cy="3141662"/>
+          </a:xfrm>
+        </p:spPr>
+      </p:sp>
+      <p:sp>
+        <p:nvSpPr>
+          <p:cNvPr id="3" name="Notes Placeholder 2"/>
+          <p:cNvSpPr>
+            <a:spLocks noGrp="1"/>
+          </p:cNvSpPr>
+          <p:nvPr>
+            <p:ph type="body" idx="1"/>
+          </p:nvPr>
+        </p:nvSpPr>
+        <p:spPr/>
+        <p:txBody>
+          <a:bodyPr>
+            <a:normAutofit/>
+          </a:bodyPr>
+          <a:lstStyle/>
+          <a:p>
+            <a:endParaRPr lang="en-US"/>
+          </a:p>
+        </p:txBody>
+      </p:sp>
+      <p:sp>
+        <p:nvSpPr>
+          <p:cNvPr id="4" name="Slide Number Placeholder 3"/>
+          <p:cNvSpPr>
+            <a:spLocks noGrp="1"/>
+          </p:cNvSpPr>
+          <p:nvPr>
+            <p:ph type="sldNum" sz="quarter" idx="10"/>
+          </p:nvPr>
+        </p:nvSpPr>
+        <p:spPr/>
+        <p:txBody>
+          <a:bodyPr/>
+          <a:lstStyle/>
+          <a:p>
+            <a:fld id="{5257B995-136A-4A15-87A5-26420C3C1021}" type="slidenum">
+              <a:rPr lang="en-US" smtClean="0"/>
+              <a:pPr/>
+              <a:t>14</a:t>
+            </a:fld>
+            <a:endParaRPr lang="en-US"/>
+          </a:p>
+        </p:txBody>
+      </p:sp>
+    </p:spTree>
+    <p:extLst>
+      <p:ext uri="{BB962C8B-B14F-4D97-AF65-F5344CB8AC3E}">
+        <p14:creationId xmlns:p14="http://schemas.microsoft.com/office/powerpoint/2010/main" val="2589352353"/>
+      </p:ext>
+    </p:extLst>
+  </p:cSld>
+  <p:clrMapOvr>
+    <a:masterClrMapping/>
+  </p:clrMapOvr>
+</p:notes>
+</file>
+
+<file path=ppt/notesSlides/notesSlide12.xml><?xml version="1.0" encoding="utf-8"?>
+<p:notes xmlns:a="http://schemas.openxmlformats.org/drawingml/2006/main" xmlns:r="http://schemas.openxmlformats.org/officeDocument/2006/relationships" xmlns:p="http://schemas.openxmlformats.org/presentationml/2006/main">
+  <p:cSld>
+    <p:spTree>
+      <p:nvGrpSpPr>
+        <p:cNvPr id="1" name=""/>
+        <p:cNvGrpSpPr/>
+        <p:nvPr/>
+      </p:nvGrpSpPr>
+      <p:grpSpPr>
+        <a:xfrm>
+          <a:off x="0" y="0"/>
+          <a:ext cx="0" cy="0"/>
+          <a:chOff x="0" y="0"/>
+          <a:chExt cx="0" cy="0"/>
+        </a:xfrm>
+      </p:grpSpPr>
+      <p:sp>
+        <p:nvSpPr>
+          <p:cNvPr id="2" name="Slide Image Placeholder 1"/>
+          <p:cNvSpPr>
+            <a:spLocks noGrp="1" noRot="1" noChangeAspect="1"/>
+          </p:cNvSpPr>
+          <p:nvPr>
+            <p:ph type="sldImg"/>
+          </p:nvPr>
+        </p:nvSpPr>
+        <p:spPr>
+          <a:xfrm>
+            <a:off x="1260475" y="1163638"/>
+            <a:ext cx="4502150" cy="3141662"/>
+          </a:xfrm>
+        </p:spPr>
+      </p:sp>
+      <p:sp>
+        <p:nvSpPr>
+          <p:cNvPr id="3" name="Notes Placeholder 2"/>
+          <p:cNvSpPr>
+            <a:spLocks noGrp="1"/>
+          </p:cNvSpPr>
+          <p:nvPr>
+            <p:ph type="body" idx="1"/>
+          </p:nvPr>
+        </p:nvSpPr>
+        <p:spPr/>
+        <p:txBody>
+          <a:bodyPr>
+            <a:normAutofit/>
+          </a:bodyPr>
+          <a:lstStyle/>
+          <a:p>
+            <a:endParaRPr lang="en-US"/>
+          </a:p>
+        </p:txBody>
+      </p:sp>
+      <p:sp>
+        <p:nvSpPr>
+          <p:cNvPr id="4" name="Slide Number Placeholder 3"/>
+          <p:cNvSpPr>
+            <a:spLocks noGrp="1"/>
+          </p:cNvSpPr>
+          <p:nvPr>
+            <p:ph type="sldNum" sz="quarter" idx="10"/>
+          </p:nvPr>
+        </p:nvSpPr>
+        <p:spPr/>
+        <p:txBody>
+          <a:bodyPr/>
+          <a:lstStyle/>
+          <a:p>
+            <a:fld id="{5257B995-136A-4A15-87A5-26420C3C1021}" type="slidenum">
+              <a:rPr lang="en-US" smtClean="0"/>
+              <a:pPr/>
+              <a:t>15</a:t>
+            </a:fld>
+            <a:endParaRPr lang="en-US"/>
+          </a:p>
+        </p:txBody>
+      </p:sp>
+    </p:spTree>
+    <p:extLst>
+      <p:ext uri="{BB962C8B-B14F-4D97-AF65-F5344CB8AC3E}">
+        <p14:creationId xmlns:p14="http://schemas.microsoft.com/office/powerpoint/2010/main" val="2656864676"/>
+      </p:ext>
+    </p:extLst>
+  </p:cSld>
+  <p:clrMapOvr>
+    <a:masterClrMapping/>
+  </p:clrMapOvr>
+</p:notes>
+</file>
+
+<file path=ppt/notesSlides/notesSlide13.xml><?xml version="1.0" encoding="utf-8"?>
+<p:notes xmlns:a="http://schemas.openxmlformats.org/drawingml/2006/main" xmlns:r="http://schemas.openxmlformats.org/officeDocument/2006/relationships" xmlns:p="http://schemas.openxmlformats.org/presentationml/2006/main">
+  <p:cSld>
+    <p:spTree>
+      <p:nvGrpSpPr>
+        <p:cNvPr id="1" name=""/>
+        <p:cNvGrpSpPr/>
+        <p:nvPr/>
+      </p:nvGrpSpPr>
+      <p:grpSpPr>
+        <a:xfrm>
+          <a:off x="0" y="0"/>
+          <a:ext cx="0" cy="0"/>
+          <a:chOff x="0" y="0"/>
+          <a:chExt cx="0" cy="0"/>
+        </a:xfrm>
+      </p:grpSpPr>
+      <p:sp>
+        <p:nvSpPr>
+          <p:cNvPr id="2" name="Slide Image Placeholder 1"/>
+          <p:cNvSpPr>
+            <a:spLocks noGrp="1" noRot="1" noChangeAspect="1"/>
+          </p:cNvSpPr>
+          <p:nvPr>
+            <p:ph type="sldImg"/>
+          </p:nvPr>
+        </p:nvSpPr>
+        <p:spPr>
+          <a:xfrm>
+            <a:off x="1260475" y="1163638"/>
+            <a:ext cx="4502150" cy="3141662"/>
+          </a:xfrm>
+        </p:spPr>
+      </p:sp>
+      <p:sp>
+        <p:nvSpPr>
+          <p:cNvPr id="3" name="Notes Placeholder 2"/>
+          <p:cNvSpPr>
+            <a:spLocks noGrp="1"/>
+          </p:cNvSpPr>
+          <p:nvPr>
+            <p:ph type="body" idx="1"/>
+          </p:nvPr>
+        </p:nvSpPr>
+        <p:spPr/>
+        <p:txBody>
+          <a:bodyPr>
+            <a:normAutofit/>
+          </a:bodyPr>
+          <a:lstStyle/>
+          <a:p>
+            <a:endParaRPr lang="en-US"/>
+          </a:p>
+        </p:txBody>
+      </p:sp>
+      <p:sp>
+        <p:nvSpPr>
+          <p:cNvPr id="4" name="Slide Number Placeholder 3"/>
+          <p:cNvSpPr>
+            <a:spLocks noGrp="1"/>
+          </p:cNvSpPr>
+          <p:nvPr>
+            <p:ph type="sldNum" sz="quarter" idx="10"/>
+          </p:nvPr>
+        </p:nvSpPr>
+        <p:spPr/>
+        <p:txBody>
+          <a:bodyPr/>
+          <a:lstStyle/>
+          <a:p>
+            <a:fld id="{5257B995-136A-4A15-87A5-26420C3C1021}" type="slidenum">
+              <a:rPr lang="en-US" smtClean="0"/>
+              <a:pPr/>
+              <a:t>16</a:t>
+            </a:fld>
+            <a:endParaRPr lang="en-US"/>
+          </a:p>
+        </p:txBody>
+      </p:sp>
+    </p:spTree>
+    <p:extLst>
+      <p:ext uri="{BB962C8B-B14F-4D97-AF65-F5344CB8AC3E}">
         <p14:creationId xmlns:p14="http://schemas.microsoft.com/office/powerpoint/2010/main" val="1596843217"/>
       </p:ext>
     </p:extLst>
@@ -1462,7 +1741,7 @@
     </p:spTree>
     <p:extLst>
       <p:ext uri="{BB962C8B-B14F-4D97-AF65-F5344CB8AC3E}">
-        <p14:creationId xmlns:p14="http://schemas.microsoft.com/office/powerpoint/2010/main" val="3981386523"/>
+        <p14:creationId xmlns:p14="http://schemas.microsoft.com/office/powerpoint/2010/main" val="374343670"/>
       </p:ext>
     </p:extLst>
   </p:cSld>
@@ -1554,7 +1833,7 @@
     </p:spTree>
     <p:extLst>
       <p:ext uri="{BB962C8B-B14F-4D97-AF65-F5344CB8AC3E}">
-        <p14:creationId xmlns:p14="http://schemas.microsoft.com/office/powerpoint/2010/main" val="2589352353"/>
+        <p14:creationId xmlns:p14="http://schemas.microsoft.com/office/powerpoint/2010/main" val="1585004058"/>
       </p:ext>
     </p:extLst>
   </p:cSld>
@@ -5516,13 +5795,52 @@
           <a:bodyPr anchor="ctr"/>
           <a:lstStyle/>
           <a:p>
+            <a:pPr marL="101203" indent="0">
+              <a:buNone/>
+            </a:pPr>
+            <a:r>
+              <a:rPr lang="en-US" sz="2300" b="1" dirty="0"/>
+              <a:t>Highest priority features:</a:t>
+            </a:r>
+          </a:p>
+          <a:p>
             <a:pPr marL="266700" indent="-165497">
               <a:buFont typeface="Arial" panose="020B0604020202020204" pitchFamily="34" charset="0"/>
               <a:buChar char="•"/>
             </a:pPr>
             <a:r>
               <a:rPr lang="en-US" sz="2100" dirty="0"/>
-              <a:t>Sample data blah blah</a:t>
+              <a:t>Project the predictions in a graph</a:t>
+            </a:r>
+          </a:p>
+          <a:p>
+            <a:pPr marL="266700" indent="-165497">
+              <a:buFont typeface="Arial" panose="020B0604020202020204" pitchFamily="34" charset="0"/>
+              <a:buChar char="•"/>
+            </a:pPr>
+            <a:r>
+              <a:rPr lang="en-US" sz="2100" dirty="0"/>
+              <a:t>Display results of different animals</a:t>
+            </a:r>
+          </a:p>
+          <a:p>
+            <a:pPr marL="266700" indent="-165497">
+              <a:buFont typeface="Arial" panose="020B0604020202020204" pitchFamily="34" charset="0"/>
+              <a:buChar char="•"/>
+            </a:pPr>
+            <a:r>
+              <a:rPr lang="en-US" sz="2100" dirty="0"/>
+              <a:t>Switch between different mathematical models</a:t>
+            </a:r>
+          </a:p>
+          <a:p>
+            <a:pPr marL="266700" indent="-165497">
+              <a:buFont typeface="Arial" panose="020B0604020202020204" pitchFamily="34" charset="0"/>
+              <a:buChar char="•"/>
+            </a:pPr>
+            <a:r>
+              <a:rPr lang="en-US" sz="2100" dirty="0"/>
+              <a:t>Alter initial data, capacity and starting amount of each amount</a:t>
             </a:r>
             <a:endParaRPr lang="en-US" dirty="0"/>
           </a:p>
@@ -5542,123 +5860,6 @@
 </file>
 
 <file path=ppt/slides/slide11.xml><?xml version="1.0" encoding="utf-8"?>
-<p:sld xmlns:a="http://schemas.openxmlformats.org/drawingml/2006/main" xmlns:r="http://schemas.openxmlformats.org/officeDocument/2006/relationships" xmlns:p="http://schemas.openxmlformats.org/presentationml/2006/main">
-  <p:cSld>
-    <p:spTree>
-      <p:nvGrpSpPr>
-        <p:cNvPr id="1" name=""/>
-        <p:cNvGrpSpPr/>
-        <p:nvPr/>
-      </p:nvGrpSpPr>
-      <p:grpSpPr>
-        <a:xfrm>
-          <a:off x="0" y="0"/>
-          <a:ext cx="0" cy="0"/>
-          <a:chOff x="0" y="0"/>
-          <a:chExt cx="0" cy="0"/>
-        </a:xfrm>
-      </p:grpSpPr>
-      <p:sp>
-        <p:nvSpPr>
-          <p:cNvPr id="2" name="Title 1"/>
-          <p:cNvSpPr>
-            <a:spLocks noGrp="1"/>
-          </p:cNvSpPr>
-          <p:nvPr>
-            <p:ph type="title"/>
-          </p:nvPr>
-        </p:nvSpPr>
-        <p:spPr/>
-        <p:txBody>
-          <a:bodyPr>
-            <a:normAutofit/>
-          </a:bodyPr>
-          <a:lstStyle/>
-          <a:p>
-            <a:r>
-              <a:rPr lang="en-US" dirty="0"/>
-              <a:t>Application</a:t>
-            </a:r>
-          </a:p>
-        </p:txBody>
-      </p:sp>
-      <p:sp>
-        <p:nvSpPr>
-          <p:cNvPr id="6" name="Content Placeholder 5"/>
-          <p:cNvSpPr>
-            <a:spLocks noGrp="1"/>
-          </p:cNvSpPr>
-          <p:nvPr>
-            <p:ph idx="1"/>
-          </p:nvPr>
-        </p:nvSpPr>
-        <p:spPr/>
-        <p:txBody>
-          <a:bodyPr anchor="ctr"/>
-          <a:lstStyle/>
-          <a:p>
-            <a:pPr marL="266700" indent="-165497">
-              <a:buFont typeface="Arial" panose="020B0604020202020204" pitchFamily="34" charset="0"/>
-              <a:buChar char="•"/>
-            </a:pPr>
-            <a:r>
-              <a:rPr lang="en-US" sz="2100" dirty="0"/>
-              <a:t>Made initial data editable by expert</a:t>
-            </a:r>
-          </a:p>
-          <a:p>
-            <a:pPr marL="266700" indent="-165497">
-              <a:buFont typeface="Arial" panose="020B0604020202020204" pitchFamily="34" charset="0"/>
-              <a:buChar char="•"/>
-            </a:pPr>
-            <a:r>
-              <a:rPr lang="en-US" sz="2100" dirty="0"/>
-              <a:t>Used lots of design patterns</a:t>
-            </a:r>
-          </a:p>
-          <a:p>
-            <a:pPr marL="266700" indent="-165497">
-              <a:buFont typeface="Arial" panose="020B0604020202020204" pitchFamily="34" charset="0"/>
-              <a:buChar char="•"/>
-            </a:pPr>
-            <a:r>
-              <a:rPr lang="en-US" sz="2100" dirty="0"/>
-              <a:t>Made code as scalable as possible</a:t>
-            </a:r>
-          </a:p>
-          <a:p>
-            <a:pPr marL="266700" indent="-165497">
-              <a:buFont typeface="Arial" panose="020B0604020202020204" pitchFamily="34" charset="0"/>
-              <a:buChar char="•"/>
-            </a:pPr>
-            <a:r>
-              <a:rPr lang="en-US" sz="2100" dirty="0"/>
-              <a:t>Code is, to this point, very structured</a:t>
-            </a:r>
-          </a:p>
-          <a:p>
-            <a:pPr marL="266700" indent="-165497">
-              <a:buFont typeface="Arial" panose="020B0604020202020204" pitchFamily="34" charset="0"/>
-              <a:buChar char="•"/>
-            </a:pPr>
-            <a:endParaRPr lang="en-US" sz="2100" dirty="0"/>
-          </a:p>
-        </p:txBody>
-      </p:sp>
-    </p:spTree>
-    <p:extLst>
-      <p:ext uri="{BB962C8B-B14F-4D97-AF65-F5344CB8AC3E}">
-        <p14:creationId xmlns:p14="http://schemas.microsoft.com/office/powerpoint/2010/main" val="1475295642"/>
-      </p:ext>
-    </p:extLst>
-  </p:cSld>
-  <p:clrMapOvr>
-    <a:masterClrMapping/>
-  </p:clrMapOvr>
-</p:sld>
-</file>
-
-<file path=ppt/slides/slide12.xml><?xml version="1.0" encoding="utf-8"?>
 <p:sld xmlns:a="http://schemas.openxmlformats.org/drawingml/2006/main" xmlns:r="http://schemas.openxmlformats.org/officeDocument/2006/relationships" xmlns:p="http://schemas.openxmlformats.org/presentationml/2006/main">
   <p:cSld>
     <p:spTree>
@@ -5746,6 +5947,419 @@
         </p:nvSpPr>
         <p:spPr>
           <a:xfrm>
+            <a:off x="938404" y="-218016"/>
+            <a:ext cx="7543800" cy="1088068"/>
+          </a:xfrm>
+        </p:spPr>
+        <p:txBody>
+          <a:bodyPr>
+            <a:normAutofit/>
+          </a:bodyPr>
+          <a:lstStyle/>
+          <a:p>
+            <a:r>
+              <a:rPr lang="en-US" dirty="0"/>
+              <a:t>Domain Model</a:t>
+            </a:r>
+          </a:p>
+        </p:txBody>
+      </p:sp>
+      <p:pic>
+        <p:nvPicPr>
+          <p:cNvPr id="8" name="Picture 7">
+            <a:extLst>
+              <a:ext uri="{FF2B5EF4-FFF2-40B4-BE49-F238E27FC236}">
+                <a16:creationId xmlns:a16="http://schemas.microsoft.com/office/drawing/2014/main" id="{BEEDFBA9-C2BD-4178-8D05-284448729CC5}"/>
+              </a:ext>
+            </a:extLst>
+          </p:cNvPr>
+          <p:cNvPicPr>
+            <a:picLocks noChangeAspect="1"/>
+          </p:cNvPicPr>
+          <p:nvPr/>
+        </p:nvPicPr>
+        <p:blipFill>
+          <a:blip r:embed="rId3"/>
+          <a:stretch>
+            <a:fillRect/>
+          </a:stretch>
+        </p:blipFill>
+        <p:spPr>
+          <a:xfrm>
+            <a:off x="1669785" y="870052"/>
+            <a:ext cx="6488642" cy="5302148"/>
+          </a:xfrm>
+          <a:prstGeom prst="rect">
+            <a:avLst/>
+          </a:prstGeom>
+        </p:spPr>
+      </p:pic>
+    </p:spTree>
+    <p:extLst>
+      <p:ext uri="{BB962C8B-B14F-4D97-AF65-F5344CB8AC3E}">
+        <p14:creationId xmlns:p14="http://schemas.microsoft.com/office/powerpoint/2010/main" val="2457743097"/>
+      </p:ext>
+    </p:extLst>
+  </p:cSld>
+  <p:clrMapOvr>
+    <a:masterClrMapping/>
+  </p:clrMapOvr>
+</p:sld>
+</file>
+
+<file path=ppt/slides/slide12.xml><?xml version="1.0" encoding="utf-8"?>
+<p:sld xmlns:a="http://schemas.openxmlformats.org/drawingml/2006/main" xmlns:r="http://schemas.openxmlformats.org/officeDocument/2006/relationships" xmlns:p="http://schemas.openxmlformats.org/presentationml/2006/main">
+  <p:cSld>
+    <p:spTree>
+      <p:nvGrpSpPr>
+        <p:cNvPr id="1" name=""/>
+        <p:cNvGrpSpPr/>
+        <p:nvPr/>
+      </p:nvGrpSpPr>
+      <p:grpSpPr>
+        <a:xfrm>
+          <a:off x="0" y="0"/>
+          <a:ext cx="0" cy="0"/>
+          <a:chOff x="0" y="0"/>
+          <a:chExt cx="0" cy="0"/>
+        </a:xfrm>
+      </p:grpSpPr>
+      <p:sp>
+        <p:nvSpPr>
+          <p:cNvPr id="5" name="Rectangle 4">
+            <a:extLst>
+              <a:ext uri="{FF2B5EF4-FFF2-40B4-BE49-F238E27FC236}">
+                <a16:creationId xmlns:a16="http://schemas.microsoft.com/office/drawing/2014/main" id="{D16BB83D-6D1F-472E-946A-21897C5E4680}"/>
+              </a:ext>
+            </a:extLst>
+          </p:cNvPr>
+          <p:cNvSpPr/>
+          <p:nvPr/>
+        </p:nvSpPr>
+        <p:spPr>
+          <a:xfrm>
+            <a:off x="938404" y="1621119"/>
+            <a:ext cx="8153837" cy="388189"/>
+          </a:xfrm>
+          <a:prstGeom prst="rect">
+            <a:avLst/>
+          </a:prstGeom>
+          <a:solidFill>
+            <a:schemeClr val="bg1"/>
+          </a:solidFill>
+          <a:ln>
+            <a:solidFill>
+              <a:schemeClr val="bg1"/>
+            </a:solidFill>
+          </a:ln>
+        </p:spPr>
+        <p:style>
+          <a:lnRef idx="2">
+            <a:schemeClr val="accent1">
+              <a:shade val="50000"/>
+            </a:schemeClr>
+          </a:lnRef>
+          <a:fillRef idx="1">
+            <a:schemeClr val="accent1"/>
+          </a:fillRef>
+          <a:effectRef idx="0">
+            <a:schemeClr val="accent1"/>
+          </a:effectRef>
+          <a:fontRef idx="minor">
+            <a:schemeClr val="lt1"/>
+          </a:fontRef>
+        </p:style>
+        <p:txBody>
+          <a:bodyPr rot="0" spcFirstLastPara="0" vertOverflow="overflow" horzOverflow="overflow" vert="horz" wrap="square" lIns="68580" tIns="34290" rIns="68580" bIns="34290" numCol="1" spcCol="0" rtlCol="0" fromWordArt="0" anchor="ctr" anchorCtr="0" forceAA="0" compatLnSpc="1">
+            <a:prstTxWarp prst="textNoShape">
+              <a:avLst/>
+            </a:prstTxWarp>
+            <a:noAutofit/>
+          </a:bodyPr>
+          <a:lstStyle/>
+          <a:p>
+            <a:pPr algn="ctr"/>
+            <a:endParaRPr lang="en-AU" sz="1350"/>
+          </a:p>
+        </p:txBody>
+      </p:sp>
+      <p:pic>
+        <p:nvPicPr>
+          <p:cNvPr id="4" name="Picture 3">
+            <a:extLst>
+              <a:ext uri="{FF2B5EF4-FFF2-40B4-BE49-F238E27FC236}">
+                <a16:creationId xmlns:a16="http://schemas.microsoft.com/office/drawing/2014/main" id="{03F1973A-5ED9-4EE5-84D6-82309E9C2590}"/>
+              </a:ext>
+            </a:extLst>
+          </p:cNvPr>
+          <p:cNvPicPr>
+            <a:picLocks noChangeAspect="1"/>
+          </p:cNvPicPr>
+          <p:nvPr/>
+        </p:nvPicPr>
+        <p:blipFill>
+          <a:blip r:embed="rId3"/>
+          <a:stretch>
+            <a:fillRect/>
+          </a:stretch>
+        </p:blipFill>
+        <p:spPr>
+          <a:xfrm>
+            <a:off x="1422623" y="717415"/>
+            <a:ext cx="6982966" cy="5611430"/>
+          </a:xfrm>
+          <a:prstGeom prst="rect">
+            <a:avLst/>
+          </a:prstGeom>
+        </p:spPr>
+      </p:pic>
+      <p:sp>
+        <p:nvSpPr>
+          <p:cNvPr id="2" name="Title 1"/>
+          <p:cNvSpPr>
+            <a:spLocks noGrp="1"/>
+          </p:cNvSpPr>
+          <p:nvPr>
+            <p:ph type="title"/>
+          </p:nvPr>
+        </p:nvSpPr>
+        <p:spPr>
+          <a:xfrm>
+            <a:off x="938404" y="-218016"/>
+            <a:ext cx="7543800" cy="1088068"/>
+          </a:xfrm>
+        </p:spPr>
+        <p:txBody>
+          <a:bodyPr>
+            <a:normAutofit/>
+          </a:bodyPr>
+          <a:lstStyle/>
+          <a:p>
+            <a:r>
+              <a:rPr lang="en-US" dirty="0"/>
+              <a:t>Class Diagram</a:t>
+            </a:r>
+          </a:p>
+        </p:txBody>
+      </p:sp>
+    </p:spTree>
+    <p:extLst>
+      <p:ext uri="{BB962C8B-B14F-4D97-AF65-F5344CB8AC3E}">
+        <p14:creationId xmlns:p14="http://schemas.microsoft.com/office/powerpoint/2010/main" val="1267015282"/>
+      </p:ext>
+    </p:extLst>
+  </p:cSld>
+  <p:clrMapOvr>
+    <a:masterClrMapping/>
+  </p:clrMapOvr>
+</p:sld>
+</file>
+
+<file path=ppt/slides/slide13.xml><?xml version="1.0" encoding="utf-8"?>
+<p:sld xmlns:a="http://schemas.openxmlformats.org/drawingml/2006/main" xmlns:r="http://schemas.openxmlformats.org/officeDocument/2006/relationships" xmlns:p="http://schemas.openxmlformats.org/presentationml/2006/main">
+  <p:cSld>
+    <p:spTree>
+      <p:nvGrpSpPr>
+        <p:cNvPr id="1" name=""/>
+        <p:cNvGrpSpPr/>
+        <p:nvPr/>
+      </p:nvGrpSpPr>
+      <p:grpSpPr>
+        <a:xfrm>
+          <a:off x="0" y="0"/>
+          <a:ext cx="0" cy="0"/>
+          <a:chOff x="0" y="0"/>
+          <a:chExt cx="0" cy="0"/>
+        </a:xfrm>
+      </p:grpSpPr>
+      <p:sp>
+        <p:nvSpPr>
+          <p:cNvPr id="2" name="Title 1"/>
+          <p:cNvSpPr>
+            <a:spLocks noGrp="1"/>
+          </p:cNvSpPr>
+          <p:nvPr>
+            <p:ph type="title"/>
+          </p:nvPr>
+        </p:nvSpPr>
+        <p:spPr/>
+        <p:txBody>
+          <a:bodyPr>
+            <a:normAutofit/>
+          </a:bodyPr>
+          <a:lstStyle/>
+          <a:p>
+            <a:r>
+              <a:rPr lang="en-US" dirty="0"/>
+              <a:t>Application</a:t>
+            </a:r>
+          </a:p>
+        </p:txBody>
+      </p:sp>
+      <p:sp>
+        <p:nvSpPr>
+          <p:cNvPr id="6" name="Content Placeholder 5"/>
+          <p:cNvSpPr>
+            <a:spLocks noGrp="1"/>
+          </p:cNvSpPr>
+          <p:nvPr>
+            <p:ph idx="1"/>
+          </p:nvPr>
+        </p:nvSpPr>
+        <p:spPr/>
+        <p:txBody>
+          <a:bodyPr anchor="ctr"/>
+          <a:lstStyle/>
+          <a:p>
+            <a:pPr marL="266700" indent="-165497">
+              <a:buFont typeface="Arial" panose="020B0604020202020204" pitchFamily="34" charset="0"/>
+              <a:buChar char="•"/>
+            </a:pPr>
+            <a:r>
+              <a:rPr lang="en-US" sz="2100" dirty="0"/>
+              <a:t>Made initial data editable by expert</a:t>
+            </a:r>
+          </a:p>
+          <a:p>
+            <a:pPr marL="266700" indent="-165497">
+              <a:buFont typeface="Arial" panose="020B0604020202020204" pitchFamily="34" charset="0"/>
+              <a:buChar char="•"/>
+            </a:pPr>
+            <a:r>
+              <a:rPr lang="en-US" sz="2100" dirty="0"/>
+              <a:t>Used lots of design patterns</a:t>
+            </a:r>
+          </a:p>
+          <a:p>
+            <a:pPr marL="266700" indent="-165497">
+              <a:buFont typeface="Arial" panose="020B0604020202020204" pitchFamily="34" charset="0"/>
+              <a:buChar char="•"/>
+            </a:pPr>
+            <a:r>
+              <a:rPr lang="en-US" sz="2100" dirty="0"/>
+              <a:t>Made code as scalable as possible</a:t>
+            </a:r>
+          </a:p>
+          <a:p>
+            <a:pPr marL="266700" indent="-165497">
+              <a:buFont typeface="Arial" panose="020B0604020202020204" pitchFamily="34" charset="0"/>
+              <a:buChar char="•"/>
+            </a:pPr>
+            <a:r>
+              <a:rPr lang="en-US" sz="2100" dirty="0"/>
+              <a:t>Code is, to this point, very structured</a:t>
+            </a:r>
+          </a:p>
+          <a:p>
+            <a:pPr marL="266700" indent="-165497">
+              <a:buFont typeface="Arial" panose="020B0604020202020204" pitchFamily="34" charset="0"/>
+              <a:buChar char="•"/>
+            </a:pPr>
+            <a:endParaRPr lang="en-US" sz="2100" dirty="0"/>
+          </a:p>
+        </p:txBody>
+      </p:sp>
+    </p:spTree>
+    <p:extLst>
+      <p:ext uri="{BB962C8B-B14F-4D97-AF65-F5344CB8AC3E}">
+        <p14:creationId xmlns:p14="http://schemas.microsoft.com/office/powerpoint/2010/main" val="1475295642"/>
+      </p:ext>
+    </p:extLst>
+  </p:cSld>
+  <p:clrMapOvr>
+    <a:masterClrMapping/>
+  </p:clrMapOvr>
+</p:sld>
+</file>
+
+<file path=ppt/slides/slide14.xml><?xml version="1.0" encoding="utf-8"?>
+<p:sld xmlns:a="http://schemas.openxmlformats.org/drawingml/2006/main" xmlns:r="http://schemas.openxmlformats.org/officeDocument/2006/relationships" xmlns:p="http://schemas.openxmlformats.org/presentationml/2006/main">
+  <p:cSld>
+    <p:spTree>
+      <p:nvGrpSpPr>
+        <p:cNvPr id="1" name=""/>
+        <p:cNvGrpSpPr/>
+        <p:nvPr/>
+      </p:nvGrpSpPr>
+      <p:grpSpPr>
+        <a:xfrm>
+          <a:off x="0" y="0"/>
+          <a:ext cx="0" cy="0"/>
+          <a:chOff x="0" y="0"/>
+          <a:chExt cx="0" cy="0"/>
+        </a:xfrm>
+      </p:grpSpPr>
+      <p:sp>
+        <p:nvSpPr>
+          <p:cNvPr id="5" name="Rectangle 4">
+            <a:extLst>
+              <a:ext uri="{FF2B5EF4-FFF2-40B4-BE49-F238E27FC236}">
+                <a16:creationId xmlns:a16="http://schemas.microsoft.com/office/drawing/2014/main" id="{D16BB83D-6D1F-472E-946A-21897C5E4680}"/>
+              </a:ext>
+            </a:extLst>
+          </p:cNvPr>
+          <p:cNvSpPr/>
+          <p:nvPr/>
+        </p:nvSpPr>
+        <p:spPr>
+          <a:xfrm>
+            <a:off x="938404" y="1621119"/>
+            <a:ext cx="8153837" cy="388189"/>
+          </a:xfrm>
+          <a:prstGeom prst="rect">
+            <a:avLst/>
+          </a:prstGeom>
+          <a:solidFill>
+            <a:schemeClr val="bg1"/>
+          </a:solidFill>
+          <a:ln>
+            <a:solidFill>
+              <a:schemeClr val="bg1"/>
+            </a:solidFill>
+          </a:ln>
+        </p:spPr>
+        <p:style>
+          <a:lnRef idx="2">
+            <a:schemeClr val="accent1">
+              <a:shade val="50000"/>
+            </a:schemeClr>
+          </a:lnRef>
+          <a:fillRef idx="1">
+            <a:schemeClr val="accent1"/>
+          </a:fillRef>
+          <a:effectRef idx="0">
+            <a:schemeClr val="accent1"/>
+          </a:effectRef>
+          <a:fontRef idx="minor">
+            <a:schemeClr val="lt1"/>
+          </a:fontRef>
+        </p:style>
+        <p:txBody>
+          <a:bodyPr rot="0" spcFirstLastPara="0" vertOverflow="overflow" horzOverflow="overflow" vert="horz" wrap="square" lIns="68580" tIns="34290" rIns="68580" bIns="34290" numCol="1" spcCol="0" rtlCol="0" fromWordArt="0" anchor="ctr" anchorCtr="0" forceAA="0" compatLnSpc="1">
+            <a:prstTxWarp prst="textNoShape">
+              <a:avLst/>
+            </a:prstTxWarp>
+            <a:noAutofit/>
+          </a:bodyPr>
+          <a:lstStyle/>
+          <a:p>
+            <a:pPr algn="ctr"/>
+            <a:endParaRPr lang="en-AU" sz="1350"/>
+          </a:p>
+        </p:txBody>
+      </p:sp>
+      <p:sp>
+        <p:nvSpPr>
+          <p:cNvPr id="2" name="Title 1"/>
+          <p:cNvSpPr>
+            <a:spLocks noGrp="1"/>
+          </p:cNvSpPr>
+          <p:nvPr>
+            <p:ph type="title"/>
+          </p:nvPr>
+        </p:nvSpPr>
+        <p:spPr>
+          <a:xfrm>
             <a:off x="938404" y="395029"/>
             <a:ext cx="7543800" cy="1088068"/>
           </a:xfrm>
@@ -5805,7 +6419,127 @@
 </p:sld>
 </file>
 
-<file path=ppt/slides/slide13.xml><?xml version="1.0" encoding="utf-8"?>
+<file path=ppt/slides/slide15.xml><?xml version="1.0" encoding="utf-8"?>
+<p:sld xmlns:a="http://schemas.openxmlformats.org/drawingml/2006/main" xmlns:r="http://schemas.openxmlformats.org/officeDocument/2006/relationships" xmlns:p="http://schemas.openxmlformats.org/presentationml/2006/main">
+  <p:cSld>
+    <p:spTree>
+      <p:nvGrpSpPr>
+        <p:cNvPr id="1" name=""/>
+        <p:cNvGrpSpPr/>
+        <p:nvPr/>
+      </p:nvGrpSpPr>
+      <p:grpSpPr>
+        <a:xfrm>
+          <a:off x="0" y="0"/>
+          <a:ext cx="0" cy="0"/>
+          <a:chOff x="0" y="0"/>
+          <a:chExt cx="0" cy="0"/>
+        </a:xfrm>
+      </p:grpSpPr>
+      <p:sp>
+        <p:nvSpPr>
+          <p:cNvPr id="2" name="Title 1"/>
+          <p:cNvSpPr>
+            <a:spLocks noGrp="1"/>
+          </p:cNvSpPr>
+          <p:nvPr>
+            <p:ph type="title"/>
+          </p:nvPr>
+        </p:nvSpPr>
+        <p:spPr/>
+        <p:txBody>
+          <a:bodyPr>
+            <a:normAutofit/>
+          </a:bodyPr>
+          <a:lstStyle/>
+          <a:p>
+            <a:r>
+              <a:rPr lang="en-US" dirty="0"/>
+              <a:t>Back to the features</a:t>
+            </a:r>
+          </a:p>
+        </p:txBody>
+      </p:sp>
+      <p:sp>
+        <p:nvSpPr>
+          <p:cNvPr id="6" name="Content Placeholder 5"/>
+          <p:cNvSpPr>
+            <a:spLocks noGrp="1"/>
+          </p:cNvSpPr>
+          <p:nvPr>
+            <p:ph idx="1"/>
+          </p:nvPr>
+        </p:nvSpPr>
+        <p:spPr/>
+        <p:txBody>
+          <a:bodyPr anchor="ctr"/>
+          <a:lstStyle/>
+          <a:p>
+            <a:pPr marL="101203" indent="0">
+              <a:buNone/>
+            </a:pPr>
+            <a:r>
+              <a:rPr lang="en-US" sz="2300" b="1" dirty="0"/>
+              <a:t>Highest priority features:</a:t>
+            </a:r>
+          </a:p>
+          <a:p>
+            <a:pPr marL="266700" indent="-165497">
+              <a:buFont typeface="Arial" panose="020B0604020202020204" pitchFamily="34" charset="0"/>
+              <a:buChar char="•"/>
+            </a:pPr>
+            <a:r>
+              <a:rPr lang="en-US" sz="2100" dirty="0"/>
+              <a:t>Project the predictions in a graph</a:t>
+            </a:r>
+          </a:p>
+          <a:p>
+            <a:pPr marL="266700" indent="-165497">
+              <a:buFont typeface="Arial" panose="020B0604020202020204" pitchFamily="34" charset="0"/>
+              <a:buChar char="•"/>
+            </a:pPr>
+            <a:r>
+              <a:rPr lang="en-US" sz="2100" dirty="0"/>
+              <a:t>Display results of different animals</a:t>
+            </a:r>
+          </a:p>
+          <a:p>
+            <a:pPr marL="266700" indent="-165497">
+              <a:buFont typeface="Arial" panose="020B0604020202020204" pitchFamily="34" charset="0"/>
+              <a:buChar char="•"/>
+            </a:pPr>
+            <a:r>
+              <a:rPr lang="en-US" sz="2100" dirty="0"/>
+              <a:t>Switch between different mathematical models</a:t>
+            </a:r>
+          </a:p>
+          <a:p>
+            <a:pPr marL="266700" indent="-165497">
+              <a:buFont typeface="Arial" panose="020B0604020202020204" pitchFamily="34" charset="0"/>
+              <a:buChar char="•"/>
+            </a:pPr>
+            <a:r>
+              <a:rPr lang="en-US" sz="2100" dirty="0"/>
+              <a:t>Alter initial data, capacity and starting amount of each amount</a:t>
+            </a:r>
+            <a:endParaRPr lang="en-US" sz="2400" dirty="0"/>
+          </a:p>
+        </p:txBody>
+      </p:sp>
+    </p:spTree>
+    <p:extLst>
+      <p:ext uri="{BB962C8B-B14F-4D97-AF65-F5344CB8AC3E}">
+        <p14:creationId xmlns:p14="http://schemas.microsoft.com/office/powerpoint/2010/main" val="941221296"/>
+      </p:ext>
+    </p:extLst>
+  </p:cSld>
+  <p:clrMapOvr>
+    <a:masterClrMapping/>
+  </p:clrMapOvr>
+</p:sld>
+</file>
+
+<file path=ppt/slides/slide16.xml><?xml version="1.0" encoding="utf-8"?>
 <p:sld xmlns:a="http://schemas.openxmlformats.org/drawingml/2006/main" xmlns:r="http://schemas.openxmlformats.org/officeDocument/2006/relationships" xmlns:p="http://schemas.openxmlformats.org/presentationml/2006/main">
   <p:cSld>
     <p:spTree>
@@ -7243,12 +7977,12 @@
         </p:spPr>
         <p:txBody>
           <a:bodyPr>
-            <a:normAutofit fontScale="90000"/>
+            <a:noAutofit/>
           </a:bodyPr>
           <a:lstStyle/>
           <a:p>
             <a:r>
-              <a:rPr lang="en-US" b="1" dirty="0"/>
+              <a:rPr lang="en-US" sz="4000" dirty="0"/>
               <a:t>Model with migration effect (Simple metapopulation growth rate)</a:t>
             </a:r>
           </a:p>
